--- a/RxSwift.pptx
+++ b/RxSwift.pptx
@@ -8582,374 +8582,844 @@
       </p:sp>
       <p:sp>
         <p:nvSpPr>
-          <p:cNvPr id="7" name="Text Placeholder 3">
+          <p:cNvPr id="2" name="Rettangolo 1">
             <a:extLst>
               <a:ext uri="{FF2B5EF4-FFF2-40B4-BE49-F238E27FC236}">
-                <a16:creationId xmlns:a16="http://schemas.microsoft.com/office/drawing/2014/main" id="{13C8D028-9C07-084E-AEAA-EB75E7F72889}"/>
+                <a16:creationId xmlns:a16="http://schemas.microsoft.com/office/drawing/2014/main" id="{96863524-FBD5-B041-9F5A-A825AE3C0D6D}"/>
               </a:ext>
             </a:extLst>
           </p:cNvPr>
-          <p:cNvSpPr txBox="1">
-            <a:spLocks/>
-          </p:cNvSpPr>
+          <p:cNvSpPr/>
           <p:nvPr/>
         </p:nvSpPr>
         <p:spPr>
           <a:xfrm>
-            <a:off x="573852" y="1401951"/>
-            <a:ext cx="7968163" cy="3041814"/>
+            <a:off x="252249" y="1349951"/>
+            <a:ext cx="8718330" cy="3416320"/>
           </a:xfrm>
           <a:prstGeom prst="rect">
             <a:avLst/>
           </a:prstGeom>
         </p:spPr>
         <p:txBody>
-          <a:bodyPr/>
-          <a:lstStyle>
-            <a:lvl1pPr marL="0" indent="0" algn="l" defTabSz="914400" rtl="0" eaLnBrk="1" latinLnBrk="0" hangingPunct="1">
-              <a:lnSpc>
-                <a:spcPct val="100000"/>
-              </a:lnSpc>
-              <a:spcBef>
-                <a:spcPts val="600"/>
-              </a:spcBef>
-              <a:buFont typeface="Arial" pitchFamily="34" charset="0"/>
-              <a:buNone/>
-              <a:defRPr sz="1800" kern="1200" baseline="0">
-                <a:solidFill>
-                  <a:schemeClr val="tx1"/>
-                </a:solidFill>
-                <a:latin typeface="+mn-lt"/>
-                <a:ea typeface="+mn-ea"/>
-                <a:cs typeface="+mn-cs"/>
-              </a:defRPr>
-            </a:lvl1pPr>
-            <a:lvl2pPr marL="0" indent="0" algn="l" defTabSz="914400" rtl="0" eaLnBrk="1" latinLnBrk="0" hangingPunct="1">
-              <a:lnSpc>
-                <a:spcPct val="100000"/>
-              </a:lnSpc>
-              <a:spcBef>
-                <a:spcPts val="1200"/>
-              </a:spcBef>
-              <a:spcAft>
-                <a:spcPts val="600"/>
-              </a:spcAft>
-              <a:buFont typeface="Arial" pitchFamily="34" charset="0"/>
-              <a:buNone/>
-              <a:defRPr sz="1800" b="0" i="0" kern="1200" cap="all">
-                <a:solidFill>
-                  <a:schemeClr val="tx2"/>
-                </a:solidFill>
-                <a:latin typeface="Arial"/>
-                <a:ea typeface="+mn-ea"/>
-                <a:cs typeface="Arial"/>
-              </a:defRPr>
-            </a:lvl2pPr>
-            <a:lvl3pPr marL="0" indent="0" algn="l" defTabSz="914400" rtl="0" eaLnBrk="1" latinLnBrk="0" hangingPunct="1">
-              <a:lnSpc>
-                <a:spcPct val="120000"/>
-              </a:lnSpc>
-              <a:spcBef>
-                <a:spcPts val="600"/>
-              </a:spcBef>
-              <a:buFont typeface="Arial" pitchFamily="34" charset="0"/>
-              <a:buNone/>
-              <a:defRPr sz="1400" b="0" i="0" kern="1200">
-                <a:solidFill>
-                  <a:schemeClr val="tx2"/>
-                </a:solidFill>
-                <a:latin typeface="Arial"/>
-                <a:ea typeface="+mn-ea"/>
-                <a:cs typeface="Arial"/>
-              </a:defRPr>
-            </a:lvl3pPr>
-            <a:lvl4pPr marL="180000" indent="-180000" algn="l" defTabSz="914400" rtl="0" eaLnBrk="1" latinLnBrk="0" hangingPunct="1">
-              <a:lnSpc>
-                <a:spcPct val="120000"/>
-              </a:lnSpc>
-              <a:spcBef>
-                <a:spcPts val="600"/>
-              </a:spcBef>
-              <a:buClr>
-                <a:schemeClr val="tx2"/>
-              </a:buClr>
-              <a:buSzPct val="130000"/>
-              <a:buFont typeface="Wingdings" panose="05000000000000000000" pitchFamily="2" charset="2"/>
-              <a:buChar char="§"/>
-              <a:defRPr sz="1800" kern="1200">
-                <a:solidFill>
-                  <a:schemeClr val="tx1"/>
-                </a:solidFill>
-                <a:latin typeface="+mn-lt"/>
-                <a:ea typeface="+mn-ea"/>
-                <a:cs typeface="+mn-cs"/>
-              </a:defRPr>
-            </a:lvl4pPr>
-            <a:lvl5pPr marL="360000" indent="-180000" algn="l" defTabSz="914400" rtl="0" eaLnBrk="1" latinLnBrk="0" hangingPunct="1">
-              <a:lnSpc>
-                <a:spcPct val="120000"/>
-              </a:lnSpc>
-              <a:spcBef>
-                <a:spcPts val="600"/>
-              </a:spcBef>
-              <a:buClr>
-                <a:schemeClr val="tx2"/>
-              </a:buClr>
-              <a:buFont typeface="Wingdings" panose="05000000000000000000" pitchFamily="2" charset="2"/>
-              <a:buChar char="§"/>
-              <a:defRPr sz="1800" kern="1200">
-                <a:solidFill>
-                  <a:schemeClr val="tx1"/>
-                </a:solidFill>
-                <a:latin typeface="+mn-lt"/>
-                <a:ea typeface="+mn-ea"/>
-                <a:cs typeface="+mn-cs"/>
-              </a:defRPr>
-            </a:lvl5pPr>
-            <a:lvl6pPr marL="540000" indent="-180000" algn="l" defTabSz="914400" rtl="0" eaLnBrk="1" latinLnBrk="0" hangingPunct="1">
-              <a:lnSpc>
-                <a:spcPct val="120000"/>
-              </a:lnSpc>
-              <a:spcBef>
-                <a:spcPts val="600"/>
-              </a:spcBef>
-              <a:buClr>
-                <a:schemeClr val="tx2"/>
-              </a:buClr>
-              <a:buFont typeface="Wingdings" panose="05000000000000000000" pitchFamily="2" charset="2"/>
-              <a:buChar char="§"/>
-              <a:defRPr sz="1800" kern="1200">
-                <a:solidFill>
-                  <a:schemeClr val="tx1"/>
-                </a:solidFill>
-                <a:latin typeface="+mn-lt"/>
-                <a:ea typeface="+mn-ea"/>
-                <a:cs typeface="+mn-cs"/>
-              </a:defRPr>
-            </a:lvl6pPr>
-            <a:lvl7pPr marL="180000" indent="-180000" algn="l" defTabSz="914400" rtl="0" eaLnBrk="1" latinLnBrk="0" hangingPunct="1">
-              <a:lnSpc>
-                <a:spcPct val="120000"/>
-              </a:lnSpc>
-              <a:spcBef>
-                <a:spcPts val="600"/>
-              </a:spcBef>
-              <a:buClr>
-                <a:schemeClr val="tx2"/>
-              </a:buClr>
-              <a:buFont typeface="+mj-lt"/>
-              <a:buAutoNum type="arabicPeriod"/>
-              <a:defRPr lang="it-IT" sz="1800" kern="1200" baseline="0" dirty="0" smtClean="0">
-                <a:solidFill>
-                  <a:schemeClr val="tx1"/>
-                </a:solidFill>
-                <a:latin typeface="Arial" panose="020B0604020202020204" pitchFamily="34" charset="0"/>
-                <a:ea typeface="+mn-ea"/>
-                <a:cs typeface="Arial" panose="020B0604020202020204" pitchFamily="34" charset="0"/>
-              </a:defRPr>
-            </a:lvl7pPr>
-            <a:lvl8pPr marL="360000" indent="-180000" algn="l" defTabSz="914400" rtl="0" eaLnBrk="1" latinLnBrk="0" hangingPunct="1">
-              <a:lnSpc>
-                <a:spcPct val="120000"/>
-              </a:lnSpc>
-              <a:spcBef>
-                <a:spcPts val="600"/>
-              </a:spcBef>
-              <a:buClr>
-                <a:schemeClr val="tx2"/>
-              </a:buClr>
-              <a:buFont typeface="+mj-lt"/>
-              <a:buAutoNum type="arabicPeriod"/>
-              <a:defRPr sz="1800" kern="1200">
-                <a:solidFill>
-                  <a:schemeClr val="tx1"/>
-                </a:solidFill>
-                <a:latin typeface="+mn-lt"/>
-                <a:ea typeface="+mn-ea"/>
-                <a:cs typeface="+mn-cs"/>
-              </a:defRPr>
-            </a:lvl8pPr>
-            <a:lvl9pPr marL="540000" indent="-180000" algn="l" defTabSz="914400" rtl="0" eaLnBrk="1" latinLnBrk="0" hangingPunct="1">
-              <a:lnSpc>
-                <a:spcPct val="120000"/>
-              </a:lnSpc>
-              <a:spcBef>
-                <a:spcPts val="600"/>
-              </a:spcBef>
-              <a:buClr>
-                <a:schemeClr val="tx2"/>
-              </a:buClr>
-              <a:buFont typeface="+mj-lt"/>
-              <a:buAutoNum type="arabicPeriod"/>
-              <a:defRPr sz="1800" kern="1200" baseline="0">
-                <a:solidFill>
-                  <a:schemeClr val="tx1"/>
-                </a:solidFill>
-                <a:latin typeface="+mn-lt"/>
-                <a:ea typeface="+mn-ea"/>
-                <a:cs typeface="+mn-cs"/>
-              </a:defRPr>
-            </a:lvl9pPr>
-          </a:lstStyle>
-          <a:p>
-            <a:r>
-              <a:rPr lang="en-US" dirty="0"/>
-              <a:t>Feel free to contact me if you ever get stuck with Rx:</a:t>
-            </a:r>
-          </a:p>
-          <a:p>
-            <a:endParaRPr lang="de-DE" sz="1000" kern="0" dirty="0">
-              <a:solidFill>
-                <a:sysClr val="window" lastClr="FFFFFF"/>
-              </a:solidFill>
-              <a:cs typeface="Proxima Nova Regular"/>
-            </a:endParaRPr>
-          </a:p>
-          <a:p>
-            <a:r>
-              <a:rPr lang="en-US" kern="0" dirty="0">
-                <a:cs typeface="Proxima Nova Regular"/>
-              </a:rPr>
-              <a:t>Download source code:</a:t>
-            </a:r>
-            <a:endParaRPr lang="it-IT" dirty="0"/>
-          </a:p>
-          <a:p>
-            <a:pPr marL="285750" indent="-285750">
-              <a:buClr>
-                <a:schemeClr val="tx2"/>
-              </a:buClr>
-              <a:buSzPct val="130000"/>
-              <a:buFont typeface="Wingdings" panose="05000000000000000000" pitchFamily="2" charset="2"/>
-              <a:buChar char="§"/>
-            </a:pPr>
-            <a:r>
-              <a:rPr lang="de-DE" kern="0" dirty="0">
-                <a:cs typeface="Proxima Nova Regular"/>
-                <a:hlinkClick r:id="rId2"/>
-              </a:rPr>
-              <a:t>https://github.com/Garolla/LabCamp.git</a:t>
-            </a:r>
-            <a:endParaRPr lang="de-DE" kern="0" dirty="0">
-              <a:cs typeface="Proxima Nova Regular"/>
-            </a:endParaRPr>
-          </a:p>
-          <a:p>
-            <a:r>
-              <a:rPr lang="en-US" kern="0" dirty="0">
-                <a:cs typeface="Proxima Nova Regular"/>
-              </a:rPr>
-              <a:t>Resources:</a:t>
-            </a:r>
-            <a:endParaRPr lang="it-IT" dirty="0"/>
-          </a:p>
-          <a:p>
-            <a:pPr marL="285750" indent="-285750">
-              <a:buClr>
-                <a:schemeClr val="tx2"/>
-              </a:buClr>
-              <a:buSzPct val="130000"/>
-              <a:buFont typeface="Wingdings" panose="05000000000000000000" pitchFamily="2" charset="2"/>
-              <a:buChar char="§"/>
-            </a:pPr>
-            <a:r>
-              <a:rPr lang="de-DE" kern="0" dirty="0" err="1">
-                <a:cs typeface="Proxima Nova Regular"/>
-              </a:rPr>
-              <a:t>ReactiveX</a:t>
-            </a:r>
-            <a:r>
-              <a:rPr lang="de-DE" kern="0" dirty="0">
-                <a:cs typeface="Proxima Nova Regular"/>
-              </a:rPr>
-              <a:t>: </a:t>
-            </a:r>
-            <a:r>
-              <a:rPr lang="de-DE" kern="0" dirty="0">
-                <a:cs typeface="Proxima Nova Regular"/>
-                <a:hlinkClick r:id="rId3"/>
-              </a:rPr>
-              <a:t>http://reactivex.io/</a:t>
-            </a:r>
-            <a:endParaRPr lang="de-DE" kern="0" dirty="0">
-              <a:cs typeface="Proxima Nova Regular"/>
-            </a:endParaRPr>
-          </a:p>
-          <a:p>
-            <a:pPr marL="285750" indent="-285750">
-              <a:buClr>
-                <a:schemeClr val="tx2"/>
-              </a:buClr>
-              <a:buSzPct val="130000"/>
-              <a:buFont typeface="Wingdings" panose="05000000000000000000" pitchFamily="2" charset="2"/>
-              <a:buChar char="§"/>
-            </a:pPr>
-            <a:r>
-              <a:rPr lang="de-DE" kern="0" dirty="0" err="1">
-                <a:cs typeface="Proxima Nova Regular"/>
-              </a:rPr>
-              <a:t>RxDiagrams</a:t>
-            </a:r>
-            <a:r>
-              <a:rPr lang="de-DE" kern="0" dirty="0">
-                <a:cs typeface="Proxima Nova Regular"/>
-              </a:rPr>
-              <a:t>: </a:t>
-            </a:r>
-            <a:r>
-              <a:rPr lang="de-DE" kern="0" dirty="0">
-                <a:cs typeface="Proxima Nova Regular"/>
-                <a:hlinkClick r:id="rId4"/>
-              </a:rPr>
-              <a:t>http://rxmarbles.com/</a:t>
-            </a:r>
-            <a:endParaRPr lang="de-DE" kern="0" dirty="0">
-              <a:cs typeface="Proxima Nova Regular"/>
-            </a:endParaRPr>
-          </a:p>
-          <a:p>
-            <a:pPr marL="285750" indent="-285750">
-              <a:buClr>
-                <a:schemeClr val="tx2"/>
-              </a:buClr>
-              <a:buSzPct val="130000"/>
-              <a:buFont typeface="Wingdings" panose="05000000000000000000" pitchFamily="2" charset="2"/>
-              <a:buChar char="§"/>
-            </a:pPr>
-            <a:r>
-              <a:rPr lang="de-DE" kern="0" dirty="0" err="1">
-                <a:cs typeface="Proxima Nova Regular"/>
-              </a:rPr>
-              <a:t>RxSwifit</a:t>
-            </a:r>
-            <a:r>
-              <a:rPr lang="de-DE" kern="0" dirty="0">
-                <a:cs typeface="Proxima Nova Regular"/>
-              </a:rPr>
-              <a:t>: </a:t>
-            </a:r>
-            <a:r>
-              <a:rPr lang="de-DE" kern="0" dirty="0">
-                <a:cs typeface="Proxima Nova Regular"/>
-                <a:hlinkClick r:id="rId5"/>
-              </a:rPr>
-              <a:t>https://github.com/ReactiveX/RxSwift</a:t>
-            </a:r>
-            <a:endParaRPr lang="de-DE" kern="0" dirty="0">
-              <a:cs typeface="Proxima Nova Regular"/>
-            </a:endParaRPr>
-          </a:p>
-          <a:p>
-            <a:pPr>
-              <a:buClr>
-                <a:schemeClr val="tx2"/>
-              </a:buClr>
-              <a:buSzPct val="130000"/>
-            </a:pPr>
+          <a:bodyPr wrap="square">
+            <a:spAutoFit/>
+          </a:bodyPr>
+          <a:lstStyle/>
+          <a:p>
+            <a:r>
+              <a:rPr lang="it-IT" dirty="0">
+                <a:solidFill>
+                  <a:srgbClr val="41CC45"/>
+                </a:solidFill>
+                <a:latin typeface="Menlo" panose="020B0609030804020204" pitchFamily="49" charset="0"/>
+              </a:rPr>
+              <a:t>// </a:t>
+            </a:r>
+            <a:r>
+              <a:rPr lang="it-IT" dirty="0" err="1">
+                <a:solidFill>
+                  <a:srgbClr val="41CC45"/>
+                </a:solidFill>
+                <a:latin typeface="Menlo" panose="020B0609030804020204" pitchFamily="49" charset="0"/>
+              </a:rPr>
+              <a:t>Considered</a:t>
+            </a:r>
+            <a:r>
+              <a:rPr lang="it-IT" dirty="0">
+                <a:solidFill>
+                  <a:srgbClr val="41CC45"/>
+                </a:solidFill>
+                <a:latin typeface="Menlo" panose="020B0609030804020204" pitchFamily="49" charset="0"/>
+              </a:rPr>
+              <a:t> a bridge </a:t>
+            </a:r>
+            <a:r>
+              <a:rPr lang="it-IT" dirty="0" err="1">
+                <a:solidFill>
+                  <a:srgbClr val="41CC45"/>
+                </a:solidFill>
+                <a:latin typeface="Menlo" panose="020B0609030804020204" pitchFamily="49" charset="0"/>
+              </a:rPr>
+              <a:t>between</a:t>
+            </a:r>
+            <a:r>
+              <a:rPr lang="it-IT" dirty="0">
+                <a:solidFill>
+                  <a:srgbClr val="41CC45"/>
+                </a:solidFill>
+                <a:latin typeface="Menlo" panose="020B0609030804020204" pitchFamily="49" charset="0"/>
+              </a:rPr>
+              <a:t> </a:t>
+            </a:r>
+            <a:r>
+              <a:rPr lang="it-IT" dirty="0" err="1">
+                <a:solidFill>
+                  <a:srgbClr val="41CC45"/>
+                </a:solidFill>
+                <a:latin typeface="Menlo" panose="020B0609030804020204" pitchFamily="49" charset="0"/>
+              </a:rPr>
+              <a:t>not-reactive</a:t>
+            </a:r>
+            <a:r>
+              <a:rPr lang="it-IT" dirty="0">
+                <a:solidFill>
+                  <a:srgbClr val="41CC45"/>
+                </a:solidFill>
+                <a:latin typeface="Menlo" panose="020B0609030804020204" pitchFamily="49" charset="0"/>
+              </a:rPr>
+              <a:t> and </a:t>
+            </a:r>
+            <a:r>
+              <a:rPr lang="it-IT" dirty="0" err="1">
+                <a:solidFill>
+                  <a:srgbClr val="41CC45"/>
+                </a:solidFill>
+                <a:latin typeface="Menlo" panose="020B0609030804020204" pitchFamily="49" charset="0"/>
+              </a:rPr>
+              <a:t>reactive</a:t>
+            </a:r>
+            <a:r>
+              <a:rPr lang="it-IT" dirty="0">
+                <a:solidFill>
+                  <a:srgbClr val="41CC45"/>
+                </a:solidFill>
+                <a:latin typeface="Menlo" panose="020B0609030804020204" pitchFamily="49" charset="0"/>
+              </a:rPr>
+              <a:t> code</a:t>
+            </a:r>
             <a:endParaRPr lang="it-IT" dirty="0">
               <a:solidFill>
-                <a:schemeClr val="tx2"/>
+                <a:srgbClr val="D31895"/>
               </a:solidFill>
+              <a:latin typeface="Menlo" panose="020B0609030804020204" pitchFamily="49" charset="0"/>
+            </a:endParaRPr>
+          </a:p>
+          <a:p>
+            <a:r>
+              <a:rPr lang="it-IT" dirty="0" err="1">
+                <a:solidFill>
+                  <a:srgbClr val="D31895"/>
+                </a:solidFill>
+                <a:latin typeface="Menlo" panose="020B0609030804020204" pitchFamily="49" charset="0"/>
+              </a:rPr>
+              <a:t>var</a:t>
+            </a:r>
+            <a:r>
+              <a:rPr lang="it-IT" dirty="0">
+                <a:solidFill>
+                  <a:srgbClr val="FFFFFF"/>
+                </a:solidFill>
+                <a:latin typeface="Menlo" panose="020B0609030804020204" pitchFamily="49" charset="0"/>
+              </a:rPr>
+              <a:t> </a:t>
+            </a:r>
+            <a:r>
+              <a:rPr lang="it-IT" dirty="0" err="1">
+                <a:solidFill>
+                  <a:srgbClr val="FFFFFF"/>
+                </a:solidFill>
+                <a:latin typeface="Menlo" panose="020B0609030804020204" pitchFamily="49" charset="0"/>
+              </a:rPr>
+              <a:t>myRelay</a:t>
+            </a:r>
+            <a:r>
+              <a:rPr lang="it-IT" dirty="0">
+                <a:solidFill>
+                  <a:srgbClr val="FFFFFF"/>
+                </a:solidFill>
+                <a:latin typeface="Menlo" panose="020B0609030804020204" pitchFamily="49" charset="0"/>
+              </a:rPr>
+              <a:t> : </a:t>
+            </a:r>
+            <a:r>
+              <a:rPr lang="it-IT" dirty="0" err="1">
+                <a:solidFill>
+                  <a:srgbClr val="23FF83"/>
+                </a:solidFill>
+                <a:latin typeface="Menlo" panose="020B0609030804020204" pitchFamily="49" charset="0"/>
+              </a:rPr>
+              <a:t>BehaviorRelay</a:t>
+            </a:r>
+            <a:r>
+              <a:rPr lang="it-IT" dirty="0">
+                <a:solidFill>
+                  <a:srgbClr val="FFFFFF"/>
+                </a:solidFill>
+                <a:latin typeface="Menlo" panose="020B0609030804020204" pitchFamily="49" charset="0"/>
+              </a:rPr>
+              <a:t>&lt;</a:t>
+            </a:r>
+            <a:r>
+              <a:rPr lang="it-IT" dirty="0" err="1">
+                <a:solidFill>
+                  <a:srgbClr val="00A0FF"/>
+                </a:solidFill>
+                <a:latin typeface="Menlo" panose="020B0609030804020204" pitchFamily="49" charset="0"/>
+              </a:rPr>
+              <a:t>Int</a:t>
+            </a:r>
+            <a:r>
+              <a:rPr lang="it-IT" dirty="0">
+                <a:solidFill>
+                  <a:srgbClr val="FFFFFF"/>
+                </a:solidFill>
+                <a:latin typeface="Menlo" panose="020B0609030804020204" pitchFamily="49" charset="0"/>
+              </a:rPr>
+              <a:t>&gt; = </a:t>
+            </a:r>
+            <a:r>
+              <a:rPr lang="it-IT" dirty="0" err="1">
+                <a:solidFill>
+                  <a:srgbClr val="23FF83"/>
+                </a:solidFill>
+                <a:latin typeface="Menlo" panose="020B0609030804020204" pitchFamily="49" charset="0"/>
+              </a:rPr>
+              <a:t>BehaviorRelay</a:t>
+            </a:r>
+            <a:r>
+              <a:rPr lang="it-IT" dirty="0">
+                <a:solidFill>
+                  <a:srgbClr val="FFFFFF"/>
+                </a:solidFill>
+                <a:latin typeface="Menlo" panose="020B0609030804020204" pitchFamily="49" charset="0"/>
+              </a:rPr>
+              <a:t>(</a:t>
+            </a:r>
+            <a:r>
+              <a:rPr lang="it-IT" dirty="0" err="1">
+                <a:solidFill>
+                  <a:srgbClr val="FFFFFF"/>
+                </a:solidFill>
+                <a:latin typeface="Menlo" panose="020B0609030804020204" pitchFamily="49" charset="0"/>
+              </a:rPr>
+              <a:t>value</a:t>
+            </a:r>
+            <a:r>
+              <a:rPr lang="it-IT" dirty="0">
+                <a:solidFill>
+                  <a:srgbClr val="FFFFFF"/>
+                </a:solidFill>
+                <a:latin typeface="Menlo" panose="020B0609030804020204" pitchFamily="49" charset="0"/>
+              </a:rPr>
+              <a:t>: </a:t>
+            </a:r>
+            <a:r>
+              <a:rPr lang="it-IT" dirty="0">
+                <a:solidFill>
+                  <a:srgbClr val="786DFF"/>
+                </a:solidFill>
+                <a:latin typeface="Menlo" panose="020B0609030804020204" pitchFamily="49" charset="0"/>
+              </a:rPr>
+              <a:t>0</a:t>
+            </a:r>
+            <a:r>
+              <a:rPr lang="it-IT" dirty="0">
+                <a:solidFill>
+                  <a:srgbClr val="FFFFFF"/>
+                </a:solidFill>
+                <a:latin typeface="Menlo" panose="020B0609030804020204" pitchFamily="49" charset="0"/>
+              </a:rPr>
+              <a:t>)</a:t>
+            </a:r>
+          </a:p>
+          <a:p>
+            <a:endParaRPr lang="it-IT" dirty="0">
+              <a:solidFill>
+                <a:srgbClr val="41CC45"/>
+              </a:solidFill>
+              <a:latin typeface="Menlo" panose="020B0609030804020204" pitchFamily="49" charset="0"/>
+            </a:endParaRPr>
+          </a:p>
+          <a:p>
+            <a:r>
+              <a:rPr lang="it-IT" dirty="0">
+                <a:solidFill>
+                  <a:srgbClr val="41CC45"/>
+                </a:solidFill>
+                <a:latin typeface="Menlo" panose="020B0609030804020204" pitchFamily="49" charset="0"/>
+              </a:rPr>
+              <a:t>// </a:t>
+            </a:r>
+            <a:r>
+              <a:rPr lang="it-IT" dirty="0" err="1">
+                <a:solidFill>
+                  <a:srgbClr val="41CC45"/>
+                </a:solidFill>
+                <a:latin typeface="Menlo" panose="020B0609030804020204" pitchFamily="49" charset="0"/>
+              </a:rPr>
+              <a:t>You</a:t>
+            </a:r>
+            <a:r>
+              <a:rPr lang="it-IT" dirty="0">
+                <a:solidFill>
+                  <a:srgbClr val="41CC45"/>
+                </a:solidFill>
+                <a:latin typeface="Menlo" panose="020B0609030804020204" pitchFamily="49" charset="0"/>
+              </a:rPr>
+              <a:t> can use </a:t>
+            </a:r>
+            <a:r>
+              <a:rPr lang="it-IT" dirty="0" err="1">
+                <a:solidFill>
+                  <a:srgbClr val="41CC45"/>
+                </a:solidFill>
+                <a:latin typeface="Menlo" panose="020B0609030804020204" pitchFamily="49" charset="0"/>
+              </a:rPr>
+              <a:t>it</a:t>
+            </a:r>
+            <a:r>
+              <a:rPr lang="it-IT" dirty="0">
+                <a:solidFill>
+                  <a:srgbClr val="41CC45"/>
+                </a:solidFill>
+                <a:latin typeface="Menlo" panose="020B0609030804020204" pitchFamily="49" charset="0"/>
+              </a:rPr>
+              <a:t> </a:t>
+            </a:r>
+            <a:r>
+              <a:rPr lang="it-IT" dirty="0" err="1">
+                <a:solidFill>
+                  <a:srgbClr val="41CC45"/>
+                </a:solidFill>
+                <a:latin typeface="Menlo" panose="020B0609030804020204" pitchFamily="49" charset="0"/>
+              </a:rPr>
+              <a:t>as</a:t>
+            </a:r>
+            <a:r>
+              <a:rPr lang="it-IT" dirty="0">
+                <a:solidFill>
+                  <a:srgbClr val="41CC45"/>
+                </a:solidFill>
+                <a:latin typeface="Menlo" panose="020B0609030804020204" pitchFamily="49" charset="0"/>
+              </a:rPr>
+              <a:t> an </a:t>
+            </a:r>
+            <a:r>
+              <a:rPr lang="it-IT" dirty="0" err="1">
+                <a:solidFill>
+                  <a:srgbClr val="41CC45"/>
+                </a:solidFill>
+                <a:latin typeface="Menlo" panose="020B0609030804020204" pitchFamily="49" charset="0"/>
+              </a:rPr>
+              <a:t>Observable</a:t>
+            </a:r>
+            <a:endParaRPr lang="it-IT" dirty="0">
+              <a:solidFill>
+                <a:srgbClr val="41CC45"/>
+              </a:solidFill>
+              <a:latin typeface="Menlo" panose="020B0609030804020204" pitchFamily="49" charset="0"/>
+            </a:endParaRPr>
+          </a:p>
+          <a:p>
+            <a:r>
+              <a:rPr lang="it-IT" dirty="0" err="1">
+                <a:solidFill>
+                  <a:srgbClr val="D31895"/>
+                </a:solidFill>
+                <a:latin typeface="Menlo" panose="020B0609030804020204" pitchFamily="49" charset="0"/>
+              </a:rPr>
+              <a:t>let</a:t>
+            </a:r>
+            <a:r>
+              <a:rPr lang="it-IT" dirty="0">
+                <a:solidFill>
+                  <a:srgbClr val="FFFFFF"/>
+                </a:solidFill>
+                <a:latin typeface="Menlo" panose="020B0609030804020204" pitchFamily="49" charset="0"/>
+              </a:rPr>
+              <a:t> </a:t>
+            </a:r>
+            <a:r>
+              <a:rPr lang="it-IT" dirty="0" err="1">
+                <a:solidFill>
+                  <a:srgbClr val="FFFFFF"/>
+                </a:solidFill>
+                <a:latin typeface="Menlo" panose="020B0609030804020204" pitchFamily="49" charset="0"/>
+              </a:rPr>
+              <a:t>myObservable</a:t>
+            </a:r>
+            <a:r>
+              <a:rPr lang="it-IT" dirty="0">
+                <a:solidFill>
+                  <a:srgbClr val="FFFFFF"/>
+                </a:solidFill>
+                <a:latin typeface="Menlo" panose="020B0609030804020204" pitchFamily="49" charset="0"/>
+              </a:rPr>
+              <a:t> : </a:t>
+            </a:r>
+            <a:r>
+              <a:rPr lang="it-IT" dirty="0" err="1">
+                <a:solidFill>
+                  <a:srgbClr val="23FF83"/>
+                </a:solidFill>
+                <a:latin typeface="Menlo" panose="020B0609030804020204" pitchFamily="49" charset="0"/>
+              </a:rPr>
+              <a:t>Observable</a:t>
+            </a:r>
+            <a:r>
+              <a:rPr lang="it-IT" dirty="0">
+                <a:solidFill>
+                  <a:srgbClr val="FFFFFF"/>
+                </a:solidFill>
+                <a:latin typeface="Menlo" panose="020B0609030804020204" pitchFamily="49" charset="0"/>
+              </a:rPr>
+              <a:t>&lt;</a:t>
+            </a:r>
+            <a:r>
+              <a:rPr lang="it-IT" dirty="0" err="1">
+                <a:solidFill>
+                  <a:srgbClr val="00A0FF"/>
+                </a:solidFill>
+                <a:latin typeface="Menlo" panose="020B0609030804020204" pitchFamily="49" charset="0"/>
+              </a:rPr>
+              <a:t>Int</a:t>
+            </a:r>
+            <a:r>
+              <a:rPr lang="it-IT" dirty="0">
+                <a:solidFill>
+                  <a:srgbClr val="FFFFFF"/>
+                </a:solidFill>
+                <a:latin typeface="Menlo" panose="020B0609030804020204" pitchFamily="49" charset="0"/>
+              </a:rPr>
+              <a:t>&gt; = </a:t>
+            </a:r>
+            <a:r>
+              <a:rPr lang="it-IT" dirty="0" err="1">
+                <a:solidFill>
+                  <a:srgbClr val="23FF83"/>
+                </a:solidFill>
+                <a:latin typeface="Menlo" panose="020B0609030804020204" pitchFamily="49" charset="0"/>
+              </a:rPr>
+              <a:t>myRelay</a:t>
+            </a:r>
+            <a:r>
+              <a:rPr lang="it-IT" dirty="0" err="1">
+                <a:solidFill>
+                  <a:srgbClr val="FFFFFF"/>
+                </a:solidFill>
+                <a:latin typeface="Menlo" panose="020B0609030804020204" pitchFamily="49" charset="0"/>
+              </a:rPr>
+              <a:t>.</a:t>
+            </a:r>
+            <a:r>
+              <a:rPr lang="it-IT" dirty="0" err="1">
+                <a:solidFill>
+                  <a:srgbClr val="23FF83"/>
+                </a:solidFill>
+                <a:latin typeface="Menlo" panose="020B0609030804020204" pitchFamily="49" charset="0"/>
+              </a:rPr>
+              <a:t>asObservable</a:t>
+            </a:r>
+            <a:r>
+              <a:rPr lang="it-IT" dirty="0">
+                <a:solidFill>
+                  <a:srgbClr val="FFFFFF"/>
+                </a:solidFill>
+                <a:latin typeface="Menlo" panose="020B0609030804020204" pitchFamily="49" charset="0"/>
+              </a:rPr>
+              <a:t>()</a:t>
+            </a:r>
+          </a:p>
+          <a:p>
+            <a:endParaRPr lang="it-IT" dirty="0">
+              <a:solidFill>
+                <a:srgbClr val="FFFFFF"/>
+              </a:solidFill>
+              <a:latin typeface="Menlo" panose="020B0609030804020204" pitchFamily="49" charset="0"/>
+            </a:endParaRPr>
+          </a:p>
+          <a:p>
+            <a:r>
+              <a:rPr lang="it-IT" dirty="0">
+                <a:solidFill>
+                  <a:srgbClr val="41CC45"/>
+                </a:solidFill>
+                <a:latin typeface="Menlo" panose="020B0609030804020204" pitchFamily="49" charset="0"/>
+              </a:rPr>
+              <a:t>// </a:t>
+            </a:r>
+            <a:r>
+              <a:rPr lang="it-IT" dirty="0" err="1">
+                <a:solidFill>
+                  <a:srgbClr val="41CC45"/>
+                </a:solidFill>
+                <a:latin typeface="Menlo" panose="020B0609030804020204" pitchFamily="49" charset="0"/>
+              </a:rPr>
+              <a:t>You</a:t>
+            </a:r>
+            <a:r>
+              <a:rPr lang="it-IT" dirty="0">
+                <a:solidFill>
+                  <a:srgbClr val="41CC45"/>
+                </a:solidFill>
+                <a:latin typeface="Menlo" panose="020B0609030804020204" pitchFamily="49" charset="0"/>
+              </a:rPr>
+              <a:t> can </a:t>
+            </a:r>
+            <a:r>
+              <a:rPr lang="it-IT" dirty="0" err="1">
+                <a:solidFill>
+                  <a:srgbClr val="41CC45"/>
+                </a:solidFill>
+                <a:latin typeface="Menlo" panose="020B0609030804020204" pitchFamily="49" charset="0"/>
+              </a:rPr>
+              <a:t>read</a:t>
+            </a:r>
+            <a:r>
+              <a:rPr lang="it-IT" dirty="0">
+                <a:solidFill>
+                  <a:srgbClr val="41CC45"/>
+                </a:solidFill>
+                <a:latin typeface="Menlo" panose="020B0609030804020204" pitchFamily="49" charset="0"/>
+              </a:rPr>
+              <a:t> </a:t>
+            </a:r>
+            <a:r>
+              <a:rPr lang="it-IT" dirty="0" err="1">
+                <a:solidFill>
+                  <a:srgbClr val="41CC45"/>
+                </a:solidFill>
+                <a:latin typeface="Menlo" panose="020B0609030804020204" pitchFamily="49" charset="0"/>
+              </a:rPr>
+              <a:t>its</a:t>
+            </a:r>
+            <a:r>
+              <a:rPr lang="it-IT" dirty="0">
+                <a:solidFill>
+                  <a:srgbClr val="41CC45"/>
+                </a:solidFill>
+                <a:latin typeface="Menlo" panose="020B0609030804020204" pitchFamily="49" charset="0"/>
+              </a:rPr>
+              <a:t> </a:t>
+            </a:r>
+            <a:r>
+              <a:rPr lang="it-IT" dirty="0" err="1">
+                <a:solidFill>
+                  <a:srgbClr val="41CC45"/>
+                </a:solidFill>
+                <a:latin typeface="Menlo" panose="020B0609030804020204" pitchFamily="49" charset="0"/>
+              </a:rPr>
+              <a:t>value</a:t>
+            </a:r>
+            <a:r>
+              <a:rPr lang="it-IT" dirty="0">
+                <a:solidFill>
+                  <a:srgbClr val="41CC45"/>
+                </a:solidFill>
+                <a:latin typeface="Menlo" panose="020B0609030804020204" pitchFamily="49" charset="0"/>
+              </a:rPr>
+              <a:t> </a:t>
+            </a:r>
+            <a:r>
+              <a:rPr lang="it-IT" dirty="0" err="1">
+                <a:solidFill>
+                  <a:srgbClr val="41CC45"/>
+                </a:solidFill>
+                <a:latin typeface="Menlo" panose="020B0609030804020204" pitchFamily="49" charset="0"/>
+              </a:rPr>
+              <a:t>like</a:t>
+            </a:r>
+            <a:r>
+              <a:rPr lang="it-IT" dirty="0">
+                <a:solidFill>
+                  <a:srgbClr val="41CC45"/>
+                </a:solidFill>
+                <a:latin typeface="Menlo" panose="020B0609030804020204" pitchFamily="49" charset="0"/>
+              </a:rPr>
+              <a:t> </a:t>
+            </a:r>
+            <a:r>
+              <a:rPr lang="it-IT" dirty="0" err="1">
+                <a:solidFill>
+                  <a:srgbClr val="41CC45"/>
+                </a:solidFill>
+                <a:latin typeface="Menlo" panose="020B0609030804020204" pitchFamily="49" charset="0"/>
+              </a:rPr>
+              <a:t>any</a:t>
+            </a:r>
+            <a:r>
+              <a:rPr lang="it-IT" dirty="0">
+                <a:solidFill>
+                  <a:srgbClr val="41CC45"/>
+                </a:solidFill>
+                <a:latin typeface="Menlo" panose="020B0609030804020204" pitchFamily="49" charset="0"/>
+              </a:rPr>
+              <a:t> </a:t>
+            </a:r>
+            <a:r>
+              <a:rPr lang="it-IT" dirty="0" err="1">
+                <a:solidFill>
+                  <a:srgbClr val="41CC45"/>
+                </a:solidFill>
+                <a:latin typeface="Menlo" panose="020B0609030804020204" pitchFamily="49" charset="0"/>
+              </a:rPr>
+              <a:t>variable</a:t>
+            </a:r>
+            <a:endParaRPr lang="it-IT" dirty="0">
+              <a:solidFill>
+                <a:srgbClr val="41CC45"/>
+              </a:solidFill>
+              <a:latin typeface="Menlo" panose="020B0609030804020204" pitchFamily="49" charset="0"/>
+            </a:endParaRPr>
+          </a:p>
+          <a:p>
+            <a:r>
+              <a:rPr lang="it-IT" dirty="0" err="1">
+                <a:solidFill>
+                  <a:srgbClr val="D31895"/>
+                </a:solidFill>
+                <a:latin typeface="Menlo" panose="020B0609030804020204" pitchFamily="49" charset="0"/>
+              </a:rPr>
+              <a:t>let</a:t>
+            </a:r>
+            <a:r>
+              <a:rPr lang="it-IT" dirty="0">
+                <a:solidFill>
+                  <a:srgbClr val="FFFFFF"/>
+                </a:solidFill>
+                <a:latin typeface="Menlo" panose="020B0609030804020204" pitchFamily="49" charset="0"/>
+              </a:rPr>
+              <a:t> </a:t>
+            </a:r>
+            <a:r>
+              <a:rPr lang="it-IT" dirty="0" err="1">
+                <a:solidFill>
+                  <a:srgbClr val="FFFFFF"/>
+                </a:solidFill>
+                <a:latin typeface="Menlo" panose="020B0609030804020204" pitchFamily="49" charset="0"/>
+              </a:rPr>
+              <a:t>myValue</a:t>
+            </a:r>
+            <a:r>
+              <a:rPr lang="it-IT" dirty="0">
+                <a:solidFill>
+                  <a:srgbClr val="FFFFFF"/>
+                </a:solidFill>
+                <a:latin typeface="Menlo" panose="020B0609030804020204" pitchFamily="49" charset="0"/>
+              </a:rPr>
+              <a:t> : </a:t>
+            </a:r>
+            <a:r>
+              <a:rPr lang="it-IT" dirty="0" err="1">
+                <a:solidFill>
+                  <a:srgbClr val="00A0FF"/>
+                </a:solidFill>
+                <a:latin typeface="Menlo" panose="020B0609030804020204" pitchFamily="49" charset="0"/>
+              </a:rPr>
+              <a:t>Int</a:t>
+            </a:r>
+            <a:r>
+              <a:rPr lang="it-IT" dirty="0">
+                <a:solidFill>
+                  <a:srgbClr val="FFFFFF"/>
+                </a:solidFill>
+                <a:latin typeface="Menlo" panose="020B0609030804020204" pitchFamily="49" charset="0"/>
+              </a:rPr>
+              <a:t> = </a:t>
+            </a:r>
+            <a:r>
+              <a:rPr lang="it-IT" dirty="0" err="1">
+                <a:solidFill>
+                  <a:srgbClr val="23FF83"/>
+                </a:solidFill>
+                <a:latin typeface="Menlo" panose="020B0609030804020204" pitchFamily="49" charset="0"/>
+              </a:rPr>
+              <a:t>myRelay</a:t>
+            </a:r>
+            <a:r>
+              <a:rPr lang="it-IT" dirty="0" err="1">
+                <a:solidFill>
+                  <a:srgbClr val="FFFFFF"/>
+                </a:solidFill>
+                <a:latin typeface="Menlo" panose="020B0609030804020204" pitchFamily="49" charset="0"/>
+              </a:rPr>
+              <a:t>.</a:t>
+            </a:r>
+            <a:r>
+              <a:rPr lang="it-IT" dirty="0" err="1">
+                <a:solidFill>
+                  <a:srgbClr val="23FF83"/>
+                </a:solidFill>
+                <a:latin typeface="Menlo" panose="020B0609030804020204" pitchFamily="49" charset="0"/>
+              </a:rPr>
+              <a:t>value</a:t>
+            </a:r>
+            <a:endParaRPr lang="it-IT" dirty="0">
+              <a:solidFill>
+                <a:srgbClr val="FFFFFF"/>
+              </a:solidFill>
+              <a:latin typeface="Menlo" panose="020B0609030804020204" pitchFamily="49" charset="0"/>
+            </a:endParaRPr>
+          </a:p>
+          <a:p>
+            <a:endParaRPr lang="it-IT" dirty="0">
+              <a:solidFill>
+                <a:srgbClr val="FFFFFF"/>
+              </a:solidFill>
+              <a:latin typeface="Menlo" panose="020B0609030804020204" pitchFamily="49" charset="0"/>
+            </a:endParaRPr>
+          </a:p>
+          <a:p>
+            <a:r>
+              <a:rPr lang="it-IT" dirty="0">
+                <a:solidFill>
+                  <a:srgbClr val="41CC45"/>
+                </a:solidFill>
+                <a:latin typeface="Menlo" panose="020B0609030804020204" pitchFamily="49" charset="0"/>
+              </a:rPr>
+              <a:t>// </a:t>
+            </a:r>
+            <a:r>
+              <a:rPr lang="it-IT" dirty="0" err="1">
+                <a:solidFill>
+                  <a:srgbClr val="41CC45"/>
+                </a:solidFill>
+                <a:latin typeface="Menlo" panose="020B0609030804020204" pitchFamily="49" charset="0"/>
+              </a:rPr>
+              <a:t>You</a:t>
+            </a:r>
+            <a:r>
+              <a:rPr lang="it-IT" dirty="0">
+                <a:solidFill>
+                  <a:srgbClr val="41CC45"/>
+                </a:solidFill>
+                <a:latin typeface="Menlo" panose="020B0609030804020204" pitchFamily="49" charset="0"/>
+              </a:rPr>
+              <a:t> can set </a:t>
+            </a:r>
+            <a:r>
+              <a:rPr lang="it-IT" dirty="0" err="1">
+                <a:solidFill>
+                  <a:srgbClr val="41CC45"/>
+                </a:solidFill>
+                <a:latin typeface="Menlo" panose="020B0609030804020204" pitchFamily="49" charset="0"/>
+              </a:rPr>
+              <a:t>its</a:t>
+            </a:r>
+            <a:r>
+              <a:rPr lang="it-IT" dirty="0">
+                <a:solidFill>
+                  <a:srgbClr val="41CC45"/>
+                </a:solidFill>
+                <a:latin typeface="Menlo" panose="020B0609030804020204" pitchFamily="49" charset="0"/>
+              </a:rPr>
+              <a:t> </a:t>
+            </a:r>
+            <a:r>
+              <a:rPr lang="it-IT" dirty="0" err="1">
+                <a:solidFill>
+                  <a:srgbClr val="41CC45"/>
+                </a:solidFill>
+                <a:latin typeface="Menlo" panose="020B0609030804020204" pitchFamily="49" charset="0"/>
+              </a:rPr>
+              <a:t>value</a:t>
+            </a:r>
+            <a:r>
+              <a:rPr lang="it-IT" dirty="0">
+                <a:solidFill>
+                  <a:srgbClr val="41CC45"/>
+                </a:solidFill>
+                <a:latin typeface="Menlo" panose="020B0609030804020204" pitchFamily="49" charset="0"/>
+              </a:rPr>
+              <a:t>, </a:t>
+            </a:r>
+            <a:r>
+              <a:rPr lang="it-IT" dirty="0" err="1">
+                <a:solidFill>
+                  <a:srgbClr val="41CC45"/>
+                </a:solidFill>
+                <a:latin typeface="Menlo" panose="020B0609030804020204" pitchFamily="49" charset="0"/>
+              </a:rPr>
+              <a:t>which</a:t>
+            </a:r>
+            <a:r>
+              <a:rPr lang="it-IT" dirty="0">
+                <a:solidFill>
+                  <a:srgbClr val="41CC45"/>
+                </a:solidFill>
+                <a:latin typeface="Menlo" panose="020B0609030804020204" pitchFamily="49" charset="0"/>
+              </a:rPr>
+              <a:t> </a:t>
+            </a:r>
+            <a:r>
+              <a:rPr lang="it-IT" dirty="0" err="1">
+                <a:solidFill>
+                  <a:srgbClr val="41CC45"/>
+                </a:solidFill>
+                <a:latin typeface="Menlo" panose="020B0609030804020204" pitchFamily="49" charset="0"/>
+              </a:rPr>
+              <a:t>will</a:t>
+            </a:r>
+            <a:r>
+              <a:rPr lang="it-IT" dirty="0">
+                <a:solidFill>
+                  <a:srgbClr val="41CC45"/>
+                </a:solidFill>
+                <a:latin typeface="Menlo" panose="020B0609030804020204" pitchFamily="49" charset="0"/>
+              </a:rPr>
+              <a:t> trigger the </a:t>
+            </a:r>
+            <a:r>
+              <a:rPr lang="it-IT" dirty="0" err="1">
+                <a:solidFill>
+                  <a:srgbClr val="41CC45"/>
+                </a:solidFill>
+                <a:latin typeface="Menlo" panose="020B0609030804020204" pitchFamily="49" charset="0"/>
+              </a:rPr>
+              <a:t>Observers</a:t>
+            </a:r>
+            <a:endParaRPr lang="it-IT" dirty="0">
+              <a:solidFill>
+                <a:srgbClr val="41CC45"/>
+              </a:solidFill>
+              <a:latin typeface="Menlo" panose="020B0609030804020204" pitchFamily="49" charset="0"/>
+            </a:endParaRPr>
+          </a:p>
+          <a:p>
+            <a:r>
+              <a:rPr lang="it-IT" dirty="0" err="1">
+                <a:solidFill>
+                  <a:srgbClr val="23FF83"/>
+                </a:solidFill>
+                <a:latin typeface="Menlo" panose="020B0609030804020204" pitchFamily="49" charset="0"/>
+              </a:rPr>
+              <a:t>myRelay</a:t>
+            </a:r>
+            <a:r>
+              <a:rPr lang="it-IT" dirty="0" err="1">
+                <a:solidFill>
+                  <a:srgbClr val="FFFFFF"/>
+                </a:solidFill>
+                <a:latin typeface="Menlo" panose="020B0609030804020204" pitchFamily="49" charset="0"/>
+              </a:rPr>
+              <a:t>.</a:t>
+            </a:r>
+            <a:r>
+              <a:rPr lang="it-IT" dirty="0" err="1">
+                <a:solidFill>
+                  <a:srgbClr val="23FF83"/>
+                </a:solidFill>
+                <a:latin typeface="Menlo" panose="020B0609030804020204" pitchFamily="49" charset="0"/>
+              </a:rPr>
+              <a:t>accept</a:t>
+            </a:r>
+            <a:r>
+              <a:rPr lang="it-IT" dirty="0">
+                <a:solidFill>
+                  <a:srgbClr val="FFFFFF"/>
+                </a:solidFill>
+                <a:latin typeface="Menlo" panose="020B0609030804020204" pitchFamily="49" charset="0"/>
+              </a:rPr>
+              <a:t>(5)</a:t>
+            </a:r>
+          </a:p>
+          <a:p>
+            <a:endParaRPr lang="it-IT" dirty="0">
+              <a:solidFill>
+                <a:srgbClr val="FFFFFF"/>
+              </a:solidFill>
+              <a:latin typeface="Menlo" panose="020B0609030804020204" pitchFamily="49" charset="0"/>
             </a:endParaRPr>
           </a:p>
         </p:txBody>

--- a/RxSwift.pptx
+++ b/RxSwift.pptx
@@ -5,10 +5,10 @@
     <p:sldMasterId id="2147483660" r:id="rId1"/>
   </p:sldMasterIdLst>
   <p:notesMasterIdLst>
-    <p:notesMasterId r:id="rId24"/>
+    <p:notesMasterId r:id="rId25"/>
   </p:notesMasterIdLst>
   <p:handoutMasterIdLst>
-    <p:handoutMasterId r:id="rId25"/>
+    <p:handoutMasterId r:id="rId26"/>
   </p:handoutMasterIdLst>
   <p:sldIdLst>
     <p:sldId id="256" r:id="rId2"/>
@@ -27,12 +27,13 @@
     <p:sldId id="326" r:id="rId15"/>
     <p:sldId id="314" r:id="rId16"/>
     <p:sldId id="318" r:id="rId17"/>
-    <p:sldId id="329" r:id="rId18"/>
-    <p:sldId id="330" r:id="rId19"/>
-    <p:sldId id="315" r:id="rId20"/>
-    <p:sldId id="317" r:id="rId21"/>
-    <p:sldId id="279" r:id="rId22"/>
-    <p:sldId id="292" r:id="rId23"/>
+    <p:sldId id="331" r:id="rId18"/>
+    <p:sldId id="329" r:id="rId19"/>
+    <p:sldId id="330" r:id="rId20"/>
+    <p:sldId id="315" r:id="rId21"/>
+    <p:sldId id="317" r:id="rId22"/>
+    <p:sldId id="279" r:id="rId23"/>
+    <p:sldId id="292" r:id="rId24"/>
   </p:sldIdLst>
   <p:sldSz cx="9144000" cy="5143500" type="screen16x9"/>
   <p:notesSz cx="6858000" cy="9144000"/>
@@ -152,6 +153,7 @@
             <p14:sldId id="326"/>
             <p14:sldId id="314"/>
             <p14:sldId id="318"/>
+            <p14:sldId id="331"/>
             <p14:sldId id="329"/>
             <p14:sldId id="330"/>
             <p14:sldId id="315"/>
@@ -265,7 +267,7 @@
           <a:p>
             <a:fld id="{786D4E21-AA1D-BE49-8829-DEA10D5CF4C8}" type="datetimeFigureOut">
               <a:rPr lang="it-IT" smtClean="0"/>
-              <a:t>14/11/18</a:t>
+              <a:t>20/11/18</a:t>
             </a:fld>
             <a:endParaRPr lang="it-IT"/>
           </a:p>
@@ -431,7 +433,7 @@
           <a:p>
             <a:fld id="{23F6D68F-7DBE-1C48-BC1F-E6A07B52C7E0}" type="datetimeFigureOut">
               <a:rPr lang="it-IT" smtClean="0"/>
-              <a:t>14/11/18</a:t>
+              <a:t>20/11/18</a:t>
             </a:fld>
             <a:endParaRPr lang="it-IT"/>
           </a:p>
@@ -6780,6 +6782,25 @@
             </a:r>
           </a:p>
           <a:p>
+            <a:pPr marL="285750" indent="-285750">
+              <a:buClr>
+                <a:schemeClr val="tx2"/>
+              </a:buClr>
+              <a:buSzPct val="130000"/>
+              <a:buFont typeface="Wingdings" panose="05000000000000000000" pitchFamily="2" charset="2"/>
+              <a:buChar char="§"/>
+            </a:pPr>
+            <a:r>
+              <a:rPr lang="en-US" sz="1400" kern="0" dirty="0" err="1">
+                <a:cs typeface="Proxima Nova Regular"/>
+              </a:rPr>
+              <a:t>flatMap</a:t>
+            </a:r>
+            <a:endParaRPr lang="en-US" sz="1400" kern="0" dirty="0">
+              <a:cs typeface="Proxima Nova Regular"/>
+            </a:endParaRPr>
+          </a:p>
+          <a:p>
             <a:pPr>
               <a:buClr>
                 <a:schemeClr val="tx2"/>
@@ -10061,7 +10082,7 @@
     </p:spTree>
     <p:extLst>
       <p:ext uri="{BB962C8B-B14F-4D97-AF65-F5344CB8AC3E}">
-        <p14:creationId xmlns:p14="http://schemas.microsoft.com/office/powerpoint/2010/main" val="951892653"/>
+        <p14:creationId xmlns:p14="http://schemas.microsoft.com/office/powerpoint/2010/main" val="2091094681"/>
       </p:ext>
     </p:extLst>
   </p:cSld>
@@ -10104,6 +10125,702 @@
           <a:lstStyle/>
           <a:p>
             <a:r>
+              <a:rPr lang="de-DE" dirty="0"/>
+              <a:t>BIND</a:t>
+            </a:r>
+            <a:endParaRPr lang="it-IT" dirty="0"/>
+          </a:p>
+        </p:txBody>
+      </p:sp>
+      <p:sp>
+        <p:nvSpPr>
+          <p:cNvPr id="6" name="Subtitle 5"/>
+          <p:cNvSpPr>
+            <a:spLocks noGrp="1"/>
+          </p:cNvSpPr>
+          <p:nvPr>
+            <p:ph type="subTitle" idx="1"/>
+          </p:nvPr>
+        </p:nvSpPr>
+        <p:spPr>
+          <a:xfrm>
+            <a:off x="573852" y="753750"/>
+            <a:ext cx="7968163" cy="328820"/>
+          </a:xfrm>
+        </p:spPr>
+        <p:txBody>
+          <a:bodyPr/>
+          <a:lstStyle/>
+          <a:p>
+            <a:r>
+              <a:rPr lang="en-US" dirty="0"/>
+              <a:t>connect events to an UI element</a:t>
+            </a:r>
+          </a:p>
+        </p:txBody>
+      </p:sp>
+      <p:sp>
+        <p:nvSpPr>
+          <p:cNvPr id="8" name="Rettangolo 7">
+            <a:extLst>
+              <a:ext uri="{FF2B5EF4-FFF2-40B4-BE49-F238E27FC236}">
+                <a16:creationId xmlns:a16="http://schemas.microsoft.com/office/drawing/2014/main" id="{83E206BD-1EFE-894F-9E43-70D3F692C027}"/>
+              </a:ext>
+            </a:extLst>
+          </p:cNvPr>
+          <p:cNvSpPr/>
+          <p:nvPr/>
+        </p:nvSpPr>
+        <p:spPr>
+          <a:xfrm>
+            <a:off x="52855" y="1288827"/>
+            <a:ext cx="9036143" cy="3139321"/>
+          </a:xfrm>
+          <a:prstGeom prst="rect">
+            <a:avLst/>
+          </a:prstGeom>
+        </p:spPr>
+        <p:txBody>
+          <a:bodyPr wrap="square">
+            <a:spAutoFit/>
+          </a:bodyPr>
+          <a:lstStyle/>
+          <a:p>
+            <a:r>
+              <a:rPr lang="it-IT" dirty="0">
+                <a:solidFill>
+                  <a:srgbClr val="41CC45"/>
+                </a:solidFill>
+                <a:latin typeface="Menlo" panose="020B0609030804020204" pitchFamily="49" charset="0"/>
+              </a:rPr>
+              <a:t>//</a:t>
+            </a:r>
+            <a:r>
+              <a:rPr lang="it-IT" dirty="0" err="1">
+                <a:solidFill>
+                  <a:srgbClr val="41CC45"/>
+                </a:solidFill>
+                <a:latin typeface="Menlo" panose="020B0609030804020204" pitchFamily="49" charset="0"/>
+              </a:rPr>
+              <a:t>Outside</a:t>
+            </a:r>
+            <a:r>
+              <a:rPr lang="it-IT" dirty="0">
+                <a:solidFill>
+                  <a:srgbClr val="41CC45"/>
+                </a:solidFill>
+                <a:latin typeface="Menlo" panose="020B0609030804020204" pitchFamily="49" charset="0"/>
+              </a:rPr>
+              <a:t> of the scope</a:t>
+            </a:r>
+            <a:endParaRPr lang="it-IT" dirty="0">
+              <a:solidFill>
+                <a:srgbClr val="D31895"/>
+              </a:solidFill>
+              <a:latin typeface="Menlo" panose="020B0609030804020204" pitchFamily="49" charset="0"/>
+            </a:endParaRPr>
+          </a:p>
+          <a:p>
+            <a:r>
+              <a:rPr lang="it-IT" dirty="0">
+                <a:solidFill>
+                  <a:srgbClr val="D31895"/>
+                </a:solidFill>
+                <a:latin typeface="Menlo" panose="020B0609030804020204" pitchFamily="49" charset="0"/>
+              </a:rPr>
+              <a:t>@</a:t>
+            </a:r>
+            <a:r>
+              <a:rPr lang="it-IT" dirty="0" err="1">
+                <a:solidFill>
+                  <a:srgbClr val="D31895"/>
+                </a:solidFill>
+                <a:latin typeface="Menlo" panose="020B0609030804020204" pitchFamily="49" charset="0"/>
+              </a:rPr>
+              <a:t>IBOutlet</a:t>
+            </a:r>
+            <a:r>
+              <a:rPr lang="it-IT" dirty="0">
+                <a:solidFill>
+                  <a:srgbClr val="FFFFFF"/>
+                </a:solidFill>
+                <a:latin typeface="Menlo" panose="020B0609030804020204" pitchFamily="49" charset="0"/>
+              </a:rPr>
+              <a:t> </a:t>
+            </a:r>
+            <a:r>
+              <a:rPr lang="it-IT" dirty="0" err="1">
+                <a:solidFill>
+                  <a:srgbClr val="D31895"/>
+                </a:solidFill>
+                <a:latin typeface="Menlo" panose="020B0609030804020204" pitchFamily="49" charset="0"/>
+              </a:rPr>
+              <a:t>weak</a:t>
+            </a:r>
+            <a:r>
+              <a:rPr lang="it-IT" dirty="0">
+                <a:solidFill>
+                  <a:srgbClr val="FFFFFF"/>
+                </a:solidFill>
+                <a:latin typeface="Menlo" panose="020B0609030804020204" pitchFamily="49" charset="0"/>
+              </a:rPr>
+              <a:t> </a:t>
+            </a:r>
+            <a:r>
+              <a:rPr lang="it-IT" dirty="0" err="1">
+                <a:solidFill>
+                  <a:srgbClr val="D31895"/>
+                </a:solidFill>
+                <a:latin typeface="Menlo" panose="020B0609030804020204" pitchFamily="49" charset="0"/>
+              </a:rPr>
+              <a:t>var</a:t>
+            </a:r>
+            <a:r>
+              <a:rPr lang="it-IT" dirty="0">
+                <a:solidFill>
+                  <a:srgbClr val="FFFFFF"/>
+                </a:solidFill>
+                <a:latin typeface="Menlo" panose="020B0609030804020204" pitchFamily="49" charset="0"/>
+              </a:rPr>
+              <a:t> </a:t>
+            </a:r>
+            <a:r>
+              <a:rPr lang="it-IT" dirty="0" err="1">
+                <a:solidFill>
+                  <a:srgbClr val="FFFFFF"/>
+                </a:solidFill>
+                <a:latin typeface="Menlo" panose="020B0609030804020204" pitchFamily="49" charset="0"/>
+              </a:rPr>
+              <a:t>myTextField</a:t>
+            </a:r>
+            <a:r>
+              <a:rPr lang="it-IT" dirty="0">
+                <a:solidFill>
+                  <a:srgbClr val="FFFFFF"/>
+                </a:solidFill>
+                <a:latin typeface="Menlo" panose="020B0609030804020204" pitchFamily="49" charset="0"/>
+              </a:rPr>
+              <a:t>: </a:t>
+            </a:r>
+            <a:r>
+              <a:rPr lang="it-IT" dirty="0" err="1">
+                <a:solidFill>
+                  <a:srgbClr val="00A0FF"/>
+                </a:solidFill>
+                <a:latin typeface="Menlo" panose="020B0609030804020204" pitchFamily="49" charset="0"/>
+              </a:rPr>
+              <a:t>UITextField</a:t>
+            </a:r>
+            <a:r>
+              <a:rPr lang="it-IT" dirty="0">
+                <a:solidFill>
+                  <a:srgbClr val="FFFFFF"/>
+                </a:solidFill>
+                <a:latin typeface="Menlo" panose="020B0609030804020204" pitchFamily="49" charset="0"/>
+              </a:rPr>
+              <a:t>!</a:t>
+            </a:r>
+            <a:endParaRPr lang="it-IT" dirty="0">
+              <a:solidFill>
+                <a:srgbClr val="D31895"/>
+              </a:solidFill>
+              <a:latin typeface="Menlo" panose="020B0609030804020204" pitchFamily="49" charset="0"/>
+            </a:endParaRPr>
+          </a:p>
+          <a:p>
+            <a:r>
+              <a:rPr lang="it-IT" dirty="0" err="1">
+                <a:solidFill>
+                  <a:srgbClr val="D31895"/>
+                </a:solidFill>
+                <a:latin typeface="Menlo" panose="020B0609030804020204" pitchFamily="49" charset="0"/>
+              </a:rPr>
+              <a:t>var</a:t>
+            </a:r>
+            <a:r>
+              <a:rPr lang="it-IT" dirty="0">
+                <a:solidFill>
+                  <a:srgbClr val="FFFFFF"/>
+                </a:solidFill>
+                <a:latin typeface="Menlo" panose="020B0609030804020204" pitchFamily="49" charset="0"/>
+              </a:rPr>
+              <a:t> </a:t>
+            </a:r>
+            <a:r>
+              <a:rPr lang="it-IT" dirty="0" err="1">
+                <a:solidFill>
+                  <a:srgbClr val="FFFFFF"/>
+                </a:solidFill>
+                <a:latin typeface="Menlo" panose="020B0609030804020204" pitchFamily="49" charset="0"/>
+              </a:rPr>
+              <a:t>myRelay</a:t>
+            </a:r>
+            <a:r>
+              <a:rPr lang="it-IT" dirty="0">
+                <a:solidFill>
+                  <a:srgbClr val="FFFFFF"/>
+                </a:solidFill>
+                <a:latin typeface="Menlo" panose="020B0609030804020204" pitchFamily="49" charset="0"/>
+              </a:rPr>
+              <a:t> : </a:t>
+            </a:r>
+            <a:r>
+              <a:rPr lang="it-IT" dirty="0" err="1">
+                <a:solidFill>
+                  <a:srgbClr val="23FF83"/>
+                </a:solidFill>
+                <a:latin typeface="Menlo" panose="020B0609030804020204" pitchFamily="49" charset="0"/>
+              </a:rPr>
+              <a:t>BehaviorRelay</a:t>
+            </a:r>
+            <a:r>
+              <a:rPr lang="it-IT" dirty="0">
+                <a:solidFill>
+                  <a:srgbClr val="FFFFFF"/>
+                </a:solidFill>
+                <a:latin typeface="Menlo" panose="020B0609030804020204" pitchFamily="49" charset="0"/>
+              </a:rPr>
+              <a:t>&lt;</a:t>
+            </a:r>
+            <a:r>
+              <a:rPr lang="it-IT" dirty="0" err="1">
+                <a:solidFill>
+                  <a:srgbClr val="00A0FF"/>
+                </a:solidFill>
+                <a:latin typeface="Menlo" panose="020B0609030804020204" pitchFamily="49" charset="0"/>
+              </a:rPr>
+              <a:t>String</a:t>
+            </a:r>
+            <a:r>
+              <a:rPr lang="it-IT" dirty="0">
+                <a:solidFill>
+                  <a:srgbClr val="FFFFFF"/>
+                </a:solidFill>
+                <a:latin typeface="Menlo" panose="020B0609030804020204" pitchFamily="49" charset="0"/>
+              </a:rPr>
+              <a:t>&gt; = </a:t>
+            </a:r>
+            <a:r>
+              <a:rPr lang="it-IT" dirty="0" err="1">
+                <a:solidFill>
+                  <a:srgbClr val="23FF83"/>
+                </a:solidFill>
+                <a:latin typeface="Menlo" panose="020B0609030804020204" pitchFamily="49" charset="0"/>
+              </a:rPr>
+              <a:t>BehaviorRelay</a:t>
+            </a:r>
+            <a:r>
+              <a:rPr lang="it-IT" dirty="0">
+                <a:solidFill>
+                  <a:srgbClr val="FFFFFF"/>
+                </a:solidFill>
+                <a:latin typeface="Menlo" panose="020B0609030804020204" pitchFamily="49" charset="0"/>
+              </a:rPr>
+              <a:t>(</a:t>
+            </a:r>
+            <a:r>
+              <a:rPr lang="it-IT" dirty="0" err="1">
+                <a:solidFill>
+                  <a:srgbClr val="FFFFFF"/>
+                </a:solidFill>
+                <a:latin typeface="Menlo" panose="020B0609030804020204" pitchFamily="49" charset="0"/>
+              </a:rPr>
+              <a:t>value</a:t>
+            </a:r>
+            <a:r>
+              <a:rPr lang="it-IT" dirty="0">
+                <a:solidFill>
+                  <a:srgbClr val="FFFFFF"/>
+                </a:solidFill>
+                <a:latin typeface="Menlo" panose="020B0609030804020204" pitchFamily="49" charset="0"/>
+              </a:rPr>
+              <a:t>:</a:t>
+            </a:r>
+            <a:r>
+              <a:rPr lang="it-IT" dirty="0">
+                <a:solidFill>
+                  <a:srgbClr val="786DFF"/>
+                </a:solidFill>
+                <a:latin typeface="Menlo" panose="020B0609030804020204" pitchFamily="49" charset="0"/>
+              </a:rPr>
+              <a:t> "Hi"</a:t>
+            </a:r>
+            <a:r>
+              <a:rPr lang="it-IT" dirty="0">
+                <a:solidFill>
+                  <a:srgbClr val="FFFFFF"/>
+                </a:solidFill>
+                <a:latin typeface="Menlo" panose="020B0609030804020204" pitchFamily="49" charset="0"/>
+              </a:rPr>
+              <a:t>)</a:t>
+            </a:r>
+          </a:p>
+          <a:p>
+            <a:r>
+              <a:rPr lang="it-IT" dirty="0">
+                <a:solidFill>
+                  <a:srgbClr val="41CC45"/>
+                </a:solidFill>
+                <a:latin typeface="Menlo" panose="020B0609030804020204" pitchFamily="49" charset="0"/>
+              </a:rPr>
+              <a:t>...</a:t>
+            </a:r>
+          </a:p>
+          <a:p>
+            <a:endParaRPr lang="it-IT" dirty="0">
+              <a:solidFill>
+                <a:srgbClr val="41CC45"/>
+              </a:solidFill>
+              <a:latin typeface="Menlo" panose="020B0609030804020204" pitchFamily="49" charset="0"/>
+            </a:endParaRPr>
+          </a:p>
+          <a:p>
+            <a:r>
+              <a:rPr lang="it-IT" dirty="0">
+                <a:solidFill>
+                  <a:srgbClr val="41CC45"/>
+                </a:solidFill>
+                <a:latin typeface="Menlo" panose="020B0609030804020204" pitchFamily="49" charset="0"/>
+              </a:rPr>
+              <a:t>//Inside a scope, </a:t>
+            </a:r>
+            <a:r>
+              <a:rPr lang="it-IT" dirty="0" err="1">
+                <a:solidFill>
+                  <a:srgbClr val="41CC45"/>
+                </a:solidFill>
+                <a:latin typeface="Menlo" panose="020B0609030804020204" pitchFamily="49" charset="0"/>
+              </a:rPr>
+              <a:t>like</a:t>
+            </a:r>
+            <a:r>
+              <a:rPr lang="it-IT" dirty="0">
+                <a:solidFill>
+                  <a:srgbClr val="41CC45"/>
+                </a:solidFill>
+                <a:latin typeface="Menlo" panose="020B0609030804020204" pitchFamily="49" charset="0"/>
+              </a:rPr>
+              <a:t> </a:t>
+            </a:r>
+            <a:r>
+              <a:rPr lang="it-IT" dirty="0" err="1">
+                <a:solidFill>
+                  <a:srgbClr val="41CC45"/>
+                </a:solidFill>
+                <a:latin typeface="Menlo" panose="020B0609030804020204" pitchFamily="49" charset="0"/>
+              </a:rPr>
+              <a:t>viewDidLoad</a:t>
+            </a:r>
+            <a:endParaRPr lang="it-IT" dirty="0">
+              <a:solidFill>
+                <a:srgbClr val="FFFFFF"/>
+              </a:solidFill>
+              <a:latin typeface="Menlo" panose="020B0609030804020204" pitchFamily="49" charset="0"/>
+            </a:endParaRPr>
+          </a:p>
+          <a:p>
+            <a:r>
+              <a:rPr lang="it-IT" dirty="0" err="1">
+                <a:solidFill>
+                  <a:srgbClr val="23FF83"/>
+                </a:solidFill>
+                <a:latin typeface="Menlo" panose="020B0609030804020204" pitchFamily="49" charset="0"/>
+              </a:rPr>
+              <a:t>myRelay</a:t>
+            </a:r>
+            <a:r>
+              <a:rPr lang="it-IT" dirty="0" err="1">
+                <a:solidFill>
+                  <a:srgbClr val="FFFFFF"/>
+                </a:solidFill>
+                <a:latin typeface="Menlo" panose="020B0609030804020204" pitchFamily="49" charset="0"/>
+              </a:rPr>
+              <a:t>.</a:t>
+            </a:r>
+            <a:r>
+              <a:rPr lang="it-IT" dirty="0" err="1">
+                <a:solidFill>
+                  <a:srgbClr val="23FF83"/>
+                </a:solidFill>
+                <a:latin typeface="Menlo" panose="020B0609030804020204" pitchFamily="49" charset="0"/>
+              </a:rPr>
+              <a:t>asObservable</a:t>
+            </a:r>
+            <a:r>
+              <a:rPr lang="it-IT" dirty="0">
+                <a:solidFill>
+                  <a:srgbClr val="FFFFFF"/>
+                </a:solidFill>
+                <a:latin typeface="Menlo" panose="020B0609030804020204" pitchFamily="49" charset="0"/>
+              </a:rPr>
+              <a:t>()</a:t>
+            </a:r>
+            <a:endParaRPr lang="it-IT" dirty="0">
+              <a:solidFill>
+                <a:srgbClr val="23FF83"/>
+              </a:solidFill>
+              <a:latin typeface="Menlo" panose="020B0609030804020204" pitchFamily="49" charset="0"/>
+            </a:endParaRPr>
+          </a:p>
+          <a:p>
+            <a:r>
+              <a:rPr lang="it-IT" dirty="0">
+                <a:solidFill>
+                  <a:srgbClr val="23FF83"/>
+                </a:solidFill>
+                <a:latin typeface="Menlo" panose="020B0609030804020204" pitchFamily="49" charset="0"/>
+              </a:rPr>
+              <a:t>	</a:t>
+            </a:r>
+            <a:r>
+              <a:rPr lang="it-IT" dirty="0">
+                <a:solidFill>
+                  <a:srgbClr val="FFFFFF"/>
+                </a:solidFill>
+                <a:latin typeface="Menlo" panose="020B0609030804020204" pitchFamily="49" charset="0"/>
+              </a:rPr>
+              <a:t>.</a:t>
+            </a:r>
+            <a:r>
+              <a:rPr lang="it-IT" dirty="0" err="1">
+                <a:solidFill>
+                  <a:srgbClr val="23FF83"/>
+                </a:solidFill>
+                <a:latin typeface="Menlo" panose="020B0609030804020204" pitchFamily="49" charset="0"/>
+              </a:rPr>
+              <a:t>bind</a:t>
+            </a:r>
+            <a:r>
+              <a:rPr lang="it-IT" dirty="0">
+                <a:solidFill>
+                  <a:srgbClr val="FFFFFF"/>
+                </a:solidFill>
+                <a:latin typeface="Menlo" panose="020B0609030804020204" pitchFamily="49" charset="0"/>
+              </a:rPr>
+              <a:t>(to: </a:t>
+            </a:r>
+            <a:r>
+              <a:rPr lang="it-IT" dirty="0" err="1">
+                <a:solidFill>
+                  <a:srgbClr val="23FF83"/>
+                </a:solidFill>
+                <a:latin typeface="Menlo" panose="020B0609030804020204" pitchFamily="49" charset="0"/>
+              </a:rPr>
+              <a:t>myTextField</a:t>
+            </a:r>
+            <a:r>
+              <a:rPr lang="it-IT" dirty="0" err="1">
+                <a:solidFill>
+                  <a:srgbClr val="FFFFFF"/>
+                </a:solidFill>
+                <a:latin typeface="Menlo" panose="020B0609030804020204" pitchFamily="49" charset="0"/>
+              </a:rPr>
+              <a:t>.</a:t>
+            </a:r>
+            <a:r>
+              <a:rPr lang="it-IT" dirty="0" err="1">
+                <a:solidFill>
+                  <a:srgbClr val="23FF83"/>
+                </a:solidFill>
+                <a:latin typeface="Menlo" panose="020B0609030804020204" pitchFamily="49" charset="0"/>
+              </a:rPr>
+              <a:t>rx</a:t>
+            </a:r>
+            <a:r>
+              <a:rPr lang="it-IT" dirty="0" err="1">
+                <a:solidFill>
+                  <a:srgbClr val="FFFFFF"/>
+                </a:solidFill>
+                <a:latin typeface="Menlo" panose="020B0609030804020204" pitchFamily="49" charset="0"/>
+              </a:rPr>
+              <a:t>.</a:t>
+            </a:r>
+            <a:r>
+              <a:rPr lang="it-IT" dirty="0" err="1">
+                <a:solidFill>
+                  <a:srgbClr val="23FF83"/>
+                </a:solidFill>
+                <a:latin typeface="Menlo" panose="020B0609030804020204" pitchFamily="49" charset="0"/>
+              </a:rPr>
+              <a:t>text</a:t>
+            </a:r>
+            <a:r>
+              <a:rPr lang="it-IT" dirty="0">
+                <a:solidFill>
+                  <a:srgbClr val="FFFFFF"/>
+                </a:solidFill>
+                <a:latin typeface="Menlo" panose="020B0609030804020204" pitchFamily="49" charset="0"/>
+              </a:rPr>
+              <a:t>)</a:t>
+            </a:r>
+          </a:p>
+          <a:p>
+            <a:r>
+              <a:rPr lang="it-IT" dirty="0">
+                <a:solidFill>
+                  <a:srgbClr val="FFFFFF"/>
+                </a:solidFill>
+                <a:latin typeface="Menlo" panose="020B0609030804020204" pitchFamily="49" charset="0"/>
+              </a:rPr>
+              <a:t>	.</a:t>
+            </a:r>
+            <a:r>
+              <a:rPr lang="it-IT" dirty="0" err="1">
+                <a:solidFill>
+                  <a:srgbClr val="23FF83"/>
+                </a:solidFill>
+                <a:latin typeface="Menlo" panose="020B0609030804020204" pitchFamily="49" charset="0"/>
+              </a:rPr>
+              <a:t>disposed</a:t>
+            </a:r>
+            <a:r>
+              <a:rPr lang="it-IT" dirty="0">
+                <a:solidFill>
+                  <a:srgbClr val="FFFFFF"/>
+                </a:solidFill>
+                <a:latin typeface="Menlo" panose="020B0609030804020204" pitchFamily="49" charset="0"/>
+              </a:rPr>
+              <a:t>(by: </a:t>
+            </a:r>
+            <a:r>
+              <a:rPr lang="it-IT" dirty="0" err="1">
+                <a:solidFill>
+                  <a:srgbClr val="23FF83"/>
+                </a:solidFill>
+                <a:latin typeface="Menlo" panose="020B0609030804020204" pitchFamily="49" charset="0"/>
+              </a:rPr>
+              <a:t>disposeBag</a:t>
+            </a:r>
+            <a:r>
+              <a:rPr lang="it-IT" dirty="0">
+                <a:solidFill>
+                  <a:srgbClr val="FFFFFF"/>
+                </a:solidFill>
+                <a:latin typeface="Menlo" panose="020B0609030804020204" pitchFamily="49" charset="0"/>
+              </a:rPr>
+              <a:t>)</a:t>
+            </a:r>
+          </a:p>
+          <a:p>
+            <a:endParaRPr lang="it-IT" dirty="0">
+              <a:solidFill>
+                <a:srgbClr val="FFFFFF"/>
+              </a:solidFill>
+              <a:effectLst/>
+              <a:latin typeface="Menlo" panose="020B0609030804020204" pitchFamily="49" charset="0"/>
+            </a:endParaRPr>
+          </a:p>
+          <a:p>
+            <a:r>
+              <a:rPr lang="it-IT" dirty="0" err="1">
+                <a:solidFill>
+                  <a:srgbClr val="23FF83"/>
+                </a:solidFill>
+                <a:latin typeface="Menlo" panose="020B0609030804020204" pitchFamily="49" charset="0"/>
+              </a:rPr>
+              <a:t>myRelay</a:t>
+            </a:r>
+            <a:r>
+              <a:rPr lang="it-IT" dirty="0" err="1">
+                <a:solidFill>
+                  <a:srgbClr val="FFFFFF"/>
+                </a:solidFill>
+                <a:latin typeface="Menlo" panose="020B0609030804020204" pitchFamily="49" charset="0"/>
+              </a:rPr>
+              <a:t>.</a:t>
+            </a:r>
+            <a:r>
+              <a:rPr lang="it-IT" dirty="0" err="1">
+                <a:solidFill>
+                  <a:srgbClr val="23FF83"/>
+                </a:solidFill>
+                <a:latin typeface="Menlo" panose="020B0609030804020204" pitchFamily="49" charset="0"/>
+              </a:rPr>
+              <a:t>accept</a:t>
+            </a:r>
+            <a:r>
+              <a:rPr lang="it-IT" dirty="0">
+                <a:solidFill>
+                  <a:srgbClr val="FFFFFF"/>
+                </a:solidFill>
+                <a:latin typeface="Menlo" panose="020B0609030804020204" pitchFamily="49" charset="0"/>
+              </a:rPr>
+              <a:t>(</a:t>
+            </a:r>
+            <a:r>
+              <a:rPr lang="it-IT" dirty="0">
+                <a:solidFill>
+                  <a:srgbClr val="786DFF"/>
+                </a:solidFill>
+                <a:latin typeface="Menlo" panose="020B0609030804020204" pitchFamily="49" charset="0"/>
+              </a:rPr>
+              <a:t>"Darling"</a:t>
+            </a:r>
+            <a:r>
+              <a:rPr lang="it-IT" dirty="0">
+                <a:solidFill>
+                  <a:srgbClr val="FFFFFF"/>
+                </a:solidFill>
+                <a:latin typeface="Menlo" panose="020B0609030804020204" pitchFamily="49" charset="0"/>
+              </a:rPr>
+              <a:t>)</a:t>
+            </a:r>
+            <a:endParaRPr lang="it-IT" dirty="0">
+              <a:solidFill>
+                <a:srgbClr val="FFFFFF"/>
+              </a:solidFill>
+              <a:effectLst/>
+              <a:latin typeface="Menlo" panose="020B0609030804020204" pitchFamily="49" charset="0"/>
+            </a:endParaRPr>
+          </a:p>
+        </p:txBody>
+      </p:sp>
+    </p:spTree>
+    <p:extLst>
+      <p:ext uri="{BB962C8B-B14F-4D97-AF65-F5344CB8AC3E}">
+        <p14:creationId xmlns:p14="http://schemas.microsoft.com/office/powerpoint/2010/main" val="951892653"/>
+      </p:ext>
+    </p:extLst>
+  </p:cSld>
+  <p:clrMapOvr>
+    <a:masterClrMapping/>
+  </p:clrMapOvr>
+</p:sld>
+</file>
+
+<file path=ppt/slides/slide19.xml><?xml version="1.0" encoding="utf-8"?>
+<p:sld xmlns:a="http://schemas.openxmlformats.org/drawingml/2006/main" xmlns:r="http://schemas.openxmlformats.org/officeDocument/2006/relationships" xmlns:p="http://schemas.openxmlformats.org/presentationml/2006/main">
+  <p:cSld>
+    <p:spTree>
+      <p:nvGrpSpPr>
+        <p:cNvPr id="1" name=""/>
+        <p:cNvGrpSpPr/>
+        <p:nvPr/>
+      </p:nvGrpSpPr>
+      <p:grpSpPr>
+        <a:xfrm>
+          <a:off x="0" y="0"/>
+          <a:ext cx="0" cy="0"/>
+          <a:chOff x="0" y="0"/>
+          <a:chExt cx="0" cy="0"/>
+        </a:xfrm>
+      </p:grpSpPr>
+      <p:sp>
+        <p:nvSpPr>
+          <p:cNvPr id="5" name="Title 4"/>
+          <p:cNvSpPr>
+            <a:spLocks noGrp="1"/>
+          </p:cNvSpPr>
+          <p:nvPr>
+            <p:ph type="title"/>
+          </p:nvPr>
+        </p:nvSpPr>
+        <p:spPr/>
+        <p:txBody>
+          <a:bodyPr/>
+          <a:lstStyle/>
+          <a:p>
+            <a:r>
               <a:rPr lang="de-DE" dirty="0" err="1"/>
               <a:t>Avoiding</a:t>
             </a:r>
@@ -10867,73 +11584,6 @@
     <p:extLst>
       <p:ext uri="{BB962C8B-B14F-4D97-AF65-F5344CB8AC3E}">
         <p14:creationId xmlns:p14="http://schemas.microsoft.com/office/powerpoint/2010/main" val="1715557259"/>
-      </p:ext>
-    </p:extLst>
-  </p:cSld>
-  <p:clrMapOvr>
-    <a:masterClrMapping/>
-  </p:clrMapOvr>
-</p:sld>
-</file>
-
-<file path=ppt/slides/slide19.xml><?xml version="1.0" encoding="utf-8"?>
-<p:sld xmlns:a="http://schemas.openxmlformats.org/drawingml/2006/main" xmlns:r="http://schemas.openxmlformats.org/officeDocument/2006/relationships" xmlns:p="http://schemas.openxmlformats.org/presentationml/2006/main">
-  <p:cSld>
-    <p:spTree>
-      <p:nvGrpSpPr>
-        <p:cNvPr id="1" name=""/>
-        <p:cNvGrpSpPr/>
-        <p:nvPr/>
-      </p:nvGrpSpPr>
-      <p:grpSpPr>
-        <a:xfrm>
-          <a:off x="0" y="0"/>
-          <a:ext cx="0" cy="0"/>
-          <a:chOff x="0" y="0"/>
-          <a:chExt cx="0" cy="0"/>
-        </a:xfrm>
-      </p:grpSpPr>
-      <p:sp>
-        <p:nvSpPr>
-          <p:cNvPr id="2" name="Titolo 1">
-            <a:extLst>
-              <a:ext uri="{FF2B5EF4-FFF2-40B4-BE49-F238E27FC236}">
-                <a16:creationId xmlns:a16="http://schemas.microsoft.com/office/drawing/2014/main" id="{F4F2477C-765E-4546-BDF2-ACEE85AF485C}"/>
-              </a:ext>
-            </a:extLst>
-          </p:cNvPr>
-          <p:cNvSpPr>
-            <a:spLocks noGrp="1"/>
-          </p:cNvSpPr>
-          <p:nvPr>
-            <p:ph type="ctrTitle"/>
-          </p:nvPr>
-        </p:nvSpPr>
-        <p:spPr/>
-        <p:txBody>
-          <a:bodyPr/>
-          <a:lstStyle/>
-          <a:p>
-            <a:r>
-              <a:rPr lang="it-IT" dirty="0" err="1"/>
-              <a:t>Contacts</a:t>
-            </a:r>
-            <a:r>
-              <a:rPr lang="it-IT" dirty="0"/>
-              <a:t> &amp; </a:t>
-            </a:r>
-            <a:r>
-              <a:rPr lang="it-IT" dirty="0" err="1"/>
-              <a:t>resources</a:t>
-            </a:r>
-            <a:endParaRPr lang="it-IT" dirty="0"/>
-          </a:p>
-        </p:txBody>
-      </p:sp>
-    </p:spTree>
-    <p:extLst>
-      <p:ext uri="{BB962C8B-B14F-4D97-AF65-F5344CB8AC3E}">
-        <p14:creationId xmlns:p14="http://schemas.microsoft.com/office/powerpoint/2010/main" val="3414481609"/>
       </p:ext>
     </p:extLst>
   </p:cSld>
@@ -11120,6 +11770,73 @@
       </p:grpSpPr>
       <p:sp>
         <p:nvSpPr>
+          <p:cNvPr id="2" name="Titolo 1">
+            <a:extLst>
+              <a:ext uri="{FF2B5EF4-FFF2-40B4-BE49-F238E27FC236}">
+                <a16:creationId xmlns:a16="http://schemas.microsoft.com/office/drawing/2014/main" id="{F4F2477C-765E-4546-BDF2-ACEE85AF485C}"/>
+              </a:ext>
+            </a:extLst>
+          </p:cNvPr>
+          <p:cNvSpPr>
+            <a:spLocks noGrp="1"/>
+          </p:cNvSpPr>
+          <p:nvPr>
+            <p:ph type="ctrTitle"/>
+          </p:nvPr>
+        </p:nvSpPr>
+        <p:spPr/>
+        <p:txBody>
+          <a:bodyPr/>
+          <a:lstStyle/>
+          <a:p>
+            <a:r>
+              <a:rPr lang="it-IT" dirty="0" err="1"/>
+              <a:t>Contacts</a:t>
+            </a:r>
+            <a:r>
+              <a:rPr lang="it-IT" dirty="0"/>
+              <a:t> &amp; </a:t>
+            </a:r>
+            <a:r>
+              <a:rPr lang="it-IT" dirty="0" err="1"/>
+              <a:t>resources</a:t>
+            </a:r>
+            <a:endParaRPr lang="it-IT" dirty="0"/>
+          </a:p>
+        </p:txBody>
+      </p:sp>
+    </p:spTree>
+    <p:extLst>
+      <p:ext uri="{BB962C8B-B14F-4D97-AF65-F5344CB8AC3E}">
+        <p14:creationId xmlns:p14="http://schemas.microsoft.com/office/powerpoint/2010/main" val="3414481609"/>
+      </p:ext>
+    </p:extLst>
+  </p:cSld>
+  <p:clrMapOvr>
+    <a:masterClrMapping/>
+  </p:clrMapOvr>
+</p:sld>
+</file>
+
+<file path=ppt/slides/slide21.xml><?xml version="1.0" encoding="utf-8"?>
+<p:sld xmlns:a="http://schemas.openxmlformats.org/drawingml/2006/main" xmlns:r="http://schemas.openxmlformats.org/officeDocument/2006/relationships" xmlns:p="http://schemas.openxmlformats.org/presentationml/2006/main">
+  <p:cSld>
+    <p:spTree>
+      <p:nvGrpSpPr>
+        <p:cNvPr id="1" name=""/>
+        <p:cNvGrpSpPr/>
+        <p:nvPr/>
+      </p:nvGrpSpPr>
+      <p:grpSpPr>
+        <a:xfrm>
+          <a:off x="0" y="0"/>
+          <a:ext cx="0" cy="0"/>
+          <a:chOff x="0" y="0"/>
+          <a:chExt cx="0" cy="0"/>
+        </a:xfrm>
+      </p:grpSpPr>
+      <p:sp>
+        <p:nvSpPr>
           <p:cNvPr id="2" name="Title 1"/>
           <p:cNvSpPr>
             <a:spLocks noGrp="1"/>
@@ -11383,7 +12100,7 @@
 </p:sld>
 </file>
 
-<file path=ppt/slides/slide21.xml><?xml version="1.0" encoding="utf-8"?>
+<file path=ppt/slides/slide22.xml><?xml version="1.0" encoding="utf-8"?>
 <p:sld xmlns:a="http://schemas.openxmlformats.org/drawingml/2006/main" xmlns:r="http://schemas.openxmlformats.org/officeDocument/2006/relationships" xmlns:p="http://schemas.openxmlformats.org/presentationml/2006/main">
   <p:cSld>
     <p:spTree>
@@ -11501,7 +12218,7 @@
 </p:sld>
 </file>
 
-<file path=ppt/slides/slide22.xml><?xml version="1.0" encoding="utf-8"?>
+<file path=ppt/slides/slide23.xml><?xml version="1.0" encoding="utf-8"?>
 <p:sld xmlns:a="http://schemas.openxmlformats.org/drawingml/2006/main" xmlns:r="http://schemas.openxmlformats.org/officeDocument/2006/relationships" xmlns:p="http://schemas.openxmlformats.org/presentationml/2006/main">
   <p:cSld>
     <p:spTree>
@@ -11712,14 +12429,14 @@
           </a:ln>
           <a:extLst>
             <a:ext uri="{909E8E84-426E-40dd-AFC4-6F175D3DCCD1}">
-              <a14:hiddenFill xmlns:a14="http://schemas.microsoft.com/office/drawing/2010/main" xmlns="">
+              <a14:hiddenFill xmlns="" xmlns:a14="http://schemas.microsoft.com/office/drawing/2010/main">
                 <a:solidFill>
                   <a:srgbClr val="FFFFFF"/>
                 </a:solidFill>
               </a14:hiddenFill>
             </a:ext>
             <a:ext uri="{91240B29-F687-4f45-9708-019B960494DF}">
-              <a14:hiddenLine xmlns:a14="http://schemas.microsoft.com/office/drawing/2010/main" xmlns="" w="9525">
+              <a14:hiddenLine xmlns="" xmlns:a14="http://schemas.microsoft.com/office/drawing/2010/main" w="9525">
                 <a:solidFill>
                   <a:srgbClr val="000000"/>
                 </a:solidFill>

--- a/RxSwift.pptx
+++ b/RxSwift.pptx
@@ -267,7 +267,7 @@
           <a:p>
             <a:fld id="{786D4E21-AA1D-BE49-8829-DEA10D5CF4C8}" type="datetimeFigureOut">
               <a:rPr lang="it-IT" smtClean="0"/>
-              <a:t>20/11/18</a:t>
+              <a:t>29/11/18</a:t>
             </a:fld>
             <a:endParaRPr lang="it-IT"/>
           </a:p>
@@ -433,7 +433,7 @@
           <a:p>
             <a:fld id="{23F6D68F-7DBE-1C48-BC1F-E6A07B52C7E0}" type="datetimeFigureOut">
               <a:rPr lang="it-IT" smtClean="0"/>
-              <a:t>20/11/18</a:t>
+              <a:t>29/11/18</a:t>
             </a:fld>
             <a:endParaRPr lang="it-IT"/>
           </a:p>
@@ -6656,9 +6656,7 @@
               <a:buChar char="§"/>
             </a:pPr>
             <a:r>
-              <a:rPr lang="en-US" sz="1400" b="1" kern="0" dirty="0">
-                <a:cs typeface="Proxima Nova Regular"/>
-              </a:rPr>
+              <a:rPr lang="en-US" sz="1400" kern="0" dirty="0"/>
               <a:t>filter</a:t>
             </a:r>
           </a:p>
@@ -6759,9 +6757,7 @@
               <a:buChar char="§"/>
             </a:pPr>
             <a:r>
-              <a:rPr lang="en-US" sz="1400" b="1" kern="0" dirty="0">
-                <a:cs typeface="Proxima Nova Regular"/>
-              </a:rPr>
+              <a:rPr lang="en-US" sz="1400" kern="0" dirty="0"/>
               <a:t>map</a:t>
             </a:r>
           </a:p>
@@ -6791,14 +6787,10 @@
               <a:buChar char="§"/>
             </a:pPr>
             <a:r>
-              <a:rPr lang="en-US" sz="1400" kern="0" dirty="0" err="1">
-                <a:cs typeface="Proxima Nova Regular"/>
-              </a:rPr>
+              <a:rPr lang="en-US" sz="1400" kern="0" dirty="0" err="1"/>
               <a:t>flatMap</a:t>
             </a:r>
-            <a:endParaRPr lang="en-US" sz="1400" kern="0" dirty="0">
-              <a:cs typeface="Proxima Nova Regular"/>
-            </a:endParaRPr>
+            <a:endParaRPr lang="en-US" sz="1400" kern="0" dirty="0"/>
           </a:p>
           <a:p>
             <a:pPr>
@@ -6843,14 +6835,10 @@
               <a:buChar char="§"/>
             </a:pPr>
             <a:r>
-              <a:rPr lang="de-DE" sz="1400" b="1" kern="0" dirty="0" err="1">
-                <a:cs typeface="Proxima Nova Regular"/>
-              </a:rPr>
+              <a:rPr lang="de-DE" sz="1400" kern="0" dirty="0" err="1"/>
               <a:t>combineLatest</a:t>
             </a:r>
-            <a:endParaRPr lang="de-DE" sz="1400" b="1" kern="0" dirty="0">
-              <a:cs typeface="Proxima Nova Regular"/>
-            </a:endParaRPr>
+            <a:endParaRPr lang="de-DE" sz="1400" kern="0" dirty="0"/>
           </a:p>
           <a:p>
             <a:pPr marL="285750" indent="-285750">
@@ -6971,14 +6959,10 @@
               <a:buChar char="§"/>
             </a:pPr>
             <a:r>
-              <a:rPr lang="de-DE" sz="1400" b="1" kern="0" dirty="0" err="1">
-                <a:cs typeface="Proxima Nova Regular"/>
-              </a:rPr>
+              <a:rPr lang="de-DE" sz="1400" kern="0" dirty="0" err="1"/>
               <a:t>observeOn</a:t>
             </a:r>
-            <a:endParaRPr lang="de-DE" sz="1400" b="1" kern="0" dirty="0">
-              <a:cs typeface="Proxima Nova Regular"/>
-            </a:endParaRPr>
+            <a:endParaRPr lang="de-DE" sz="1400" kern="0" dirty="0"/>
           </a:p>
           <a:p>
             <a:pPr marL="285750" indent="-285750">
@@ -11669,13 +11653,29 @@
           <a:bodyPr/>
           <a:lstStyle/>
           <a:p>
-            <a:r>
-              <a:rPr lang="it-IT" dirty="0" err="1"/>
-              <a:t>Introduction</a:t>
-            </a:r>
-            <a:r>
-              <a:rPr lang="it-IT" dirty="0"/>
-              <a:t> to </a:t>
+            <a:pPr marL="0" indent="0">
+              <a:buNone/>
+            </a:pPr>
+            <a:r>
+              <a:rPr lang="it-IT" dirty="0"/>
+              <a:t>17:30 – </a:t>
+            </a:r>
+            <a:r>
+              <a:rPr lang="it-IT" dirty="0" err="1"/>
+              <a:t>Theory</a:t>
+            </a:r>
+            <a:r>
+              <a:rPr lang="it-IT" dirty="0"/>
+              <a:t>   </a:t>
+            </a:r>
+          </a:p>
+          <a:p>
+            <a:pPr marL="0" indent="0">
+              <a:buNone/>
+            </a:pPr>
+            <a:r>
+              <a:rPr lang="it-IT" dirty="0"/>
+              <a:t> 	</a:t>
             </a:r>
             <a:r>
               <a:rPr lang="it-IT" dirty="0" err="1">
@@ -11696,13 +11696,12 @@
             <a:endParaRPr lang="it-IT" dirty="0"/>
           </a:p>
           <a:p>
-            <a:r>
-              <a:rPr lang="it-IT" dirty="0" err="1"/>
-              <a:t>Reactive</a:t>
-            </a:r>
-            <a:r>
-              <a:rPr lang="it-IT" dirty="0"/>
-              <a:t> </a:t>
+            <a:pPr marL="0" indent="0">
+              <a:buNone/>
+            </a:pPr>
+            <a:r>
+              <a:rPr lang="it-IT" dirty="0"/>
+              <a:t>	</a:t>
             </a:r>
             <a:r>
               <a:rPr lang="it-IT" dirty="0" err="1"/>
@@ -11711,29 +11710,71 @@
             <a:endParaRPr lang="it-IT" dirty="0"/>
           </a:p>
           <a:p>
-            <a:r>
-              <a:rPr lang="it-IT" dirty="0"/>
-              <a:t>Code </a:t>
+            <a:pPr marL="0" indent="0">
+              <a:buNone/>
+            </a:pPr>
+            <a:r>
+              <a:rPr lang="it-IT" dirty="0"/>
+              <a:t>	Code </a:t>
             </a:r>
             <a:r>
               <a:rPr lang="it-IT" dirty="0" err="1"/>
               <a:t>Snippets</a:t>
             </a:r>
+            <a:r>
+              <a:rPr lang="it-IT" dirty="0"/>
+              <a:t>	</a:t>
+            </a:r>
+          </a:p>
+          <a:p>
+            <a:pPr marL="0" indent="0">
+              <a:buNone/>
+            </a:pPr>
+            <a:r>
+              <a:rPr lang="it-IT" dirty="0"/>
+              <a:t>	</a:t>
+            </a:r>
+            <a:r>
+              <a:rPr lang="it-IT" dirty="0" err="1"/>
+              <a:t>Contacts</a:t>
+            </a:r>
+            <a:r>
+              <a:rPr lang="it-IT" dirty="0"/>
+              <a:t> &amp; </a:t>
+            </a:r>
+            <a:r>
+              <a:rPr lang="it-IT" dirty="0" err="1"/>
+              <a:t>Resources</a:t>
+            </a:r>
             <a:endParaRPr lang="it-IT" dirty="0"/>
           </a:p>
           <a:p>
-            <a:r>
-              <a:rPr lang="it-IT" dirty="0" err="1"/>
-              <a:t>Contacts</a:t>
-            </a:r>
-            <a:r>
-              <a:rPr lang="it-IT" dirty="0"/>
-              <a:t> &amp; </a:t>
-            </a:r>
-            <a:r>
-              <a:rPr lang="it-IT" dirty="0" err="1"/>
-              <a:t>Resources</a:t>
-            </a:r>
+            <a:pPr marL="0" indent="0">
+              <a:buNone/>
+            </a:pPr>
+            <a:r>
+              <a:rPr lang="it-IT" dirty="0"/>
+              <a:t>18:00 – </a:t>
+            </a:r>
+            <a:r>
+              <a:rPr lang="it-IT" dirty="0" err="1"/>
+              <a:t>Hands-on</a:t>
+            </a:r>
+            <a:endParaRPr lang="it-IT" dirty="0"/>
+          </a:p>
+          <a:p>
+            <a:pPr marL="0" indent="0">
+              <a:buNone/>
+            </a:pPr>
+            <a:r>
+              <a:rPr lang="it-IT" dirty="0"/>
+              <a:t>19:45 – Happy hour</a:t>
+            </a:r>
+          </a:p>
+          <a:p>
+            <a:pPr marL="0" indent="0">
+              <a:buNone/>
+            </a:pPr>
             <a:endParaRPr lang="it-IT" dirty="0"/>
           </a:p>
         </p:txBody>
@@ -12429,14 +12470,14 @@
           </a:ln>
           <a:extLst>
             <a:ext uri="{909E8E84-426E-40dd-AFC4-6F175D3DCCD1}">
-              <a14:hiddenFill xmlns="" xmlns:a14="http://schemas.microsoft.com/office/drawing/2010/main">
+              <a14:hiddenFill xmlns:a14="http://schemas.microsoft.com/office/drawing/2010/main" xmlns="">
                 <a:solidFill>
                   <a:srgbClr val="FFFFFF"/>
                 </a:solidFill>
               </a14:hiddenFill>
             </a:ext>
             <a:ext uri="{91240B29-F687-4f45-9708-019B960494DF}">
-              <a14:hiddenLine xmlns="" xmlns:a14="http://schemas.microsoft.com/office/drawing/2010/main" w="9525">
+              <a14:hiddenLine xmlns:a14="http://schemas.microsoft.com/office/drawing/2010/main" xmlns="" w="9525">
                 <a:solidFill>
                   <a:srgbClr val="000000"/>
                 </a:solidFill>
